--- a/doku/Notre Projet.pptx
+++ b/doku/Notre Projet.pptx
@@ -11,8 +11,8 @@
     <p:sldId id="306" r:id="rId5"/>
     <p:sldId id="307" r:id="rId6"/>
     <p:sldId id="308" r:id="rId7"/>
-    <p:sldId id="304" r:id="rId8"/>
-    <p:sldId id="305" r:id="rId9"/>
+    <p:sldId id="309" r:id="rId8"/>
+    <p:sldId id="310" r:id="rId9"/>
   </p:sldIdLst>
   <p:sldSz cx="12192000" cy="6858000"/>
   <p:notesSz cx="6858000" cy="9144000"/>
@@ -11371,8 +11371,8 @@
           <a:p>
             <a:pPr algn="r"/>
             <a:r>
-              <a:rPr lang="en-US" dirty="0"/>
-              <a:t>Scrum Artifacts</a:t>
+              <a:rPr lang="en-US"/>
+              <a:t>Scrum Artefacts</a:t>
             </a:r>
             <a:endParaRPr lang="en-US" sz="1800" dirty="0">
               <a:solidFill>
@@ -11533,12 +11533,98 @@
           </a:p>
         </p:txBody>
       </p:sp>
+      <p:sp>
+        <p:nvSpPr>
+          <p:cNvPr id="9" name="Date Placeholder 8">
+            <a:extLst>
+              <a:ext uri="{FF2B5EF4-FFF2-40B4-BE49-F238E27FC236}">
+                <a16:creationId xmlns:a16="http://schemas.microsoft.com/office/drawing/2014/main" id="{D45C472E-4078-40A0-83A2-652E8356EDCB}"/>
+              </a:ext>
+            </a:extLst>
+          </p:cNvPr>
+          <p:cNvSpPr>
+            <a:spLocks noGrp="1"/>
+          </p:cNvSpPr>
+          <p:nvPr>
+            <p:ph type="dt" sz="half" idx="10"/>
+          </p:nvPr>
+        </p:nvSpPr>
+        <p:spPr/>
+        <p:txBody>
+          <a:bodyPr/>
+          <a:lstStyle/>
+          <a:p>
+            <a:r>
+              <a:rPr lang="en-US" dirty="0"/>
+              <a:t>9/3/20XX</a:t>
+            </a:r>
+          </a:p>
+        </p:txBody>
+      </p:sp>
+      <p:sp>
+        <p:nvSpPr>
+          <p:cNvPr id="10" name="Footer Placeholder 9">
+            <a:extLst>
+              <a:ext uri="{FF2B5EF4-FFF2-40B4-BE49-F238E27FC236}">
+                <a16:creationId xmlns:a16="http://schemas.microsoft.com/office/drawing/2014/main" id="{A8C7C3A0-5E78-49C8-B8D4-F3DF62B2BC93}"/>
+              </a:ext>
+            </a:extLst>
+          </p:cNvPr>
+          <p:cNvSpPr>
+            <a:spLocks noGrp="1"/>
+          </p:cNvSpPr>
+          <p:nvPr>
+            <p:ph type="ftr" sz="quarter" idx="11"/>
+          </p:nvPr>
+        </p:nvSpPr>
+        <p:spPr/>
+        <p:txBody>
+          <a:bodyPr/>
+          <a:lstStyle/>
+          <a:p>
+            <a:r>
+              <a:rPr lang="en-US" dirty="0"/>
+              <a:t>Presentation Title</a:t>
+            </a:r>
+          </a:p>
+        </p:txBody>
+      </p:sp>
+      <p:sp>
+        <p:nvSpPr>
+          <p:cNvPr id="11" name="Slide Number Placeholder 10">
+            <a:extLst>
+              <a:ext uri="{FF2B5EF4-FFF2-40B4-BE49-F238E27FC236}">
+                <a16:creationId xmlns:a16="http://schemas.microsoft.com/office/drawing/2014/main" id="{56AE2454-CE9A-4A6B-AB5A-349E0D967654}"/>
+              </a:ext>
+            </a:extLst>
+          </p:cNvPr>
+          <p:cNvSpPr>
+            <a:spLocks noGrp="1"/>
+          </p:cNvSpPr>
+          <p:nvPr>
+            <p:ph type="sldNum" sz="quarter" idx="12"/>
+          </p:nvPr>
+        </p:nvSpPr>
+        <p:spPr/>
+        <p:txBody>
+          <a:bodyPr/>
+          <a:lstStyle/>
+          <a:p>
+            <a:fld id="{D8DA9DAA-006C-4F4B-980E-E3DF019B24E2}" type="slidenum">
+              <a:rPr lang="en-US" smtClean="0"/>
+              <a:pPr/>
+              <a:t>3</a:t>
+            </a:fld>
+            <a:endParaRPr lang="en-US" dirty="0"/>
+          </a:p>
+        </p:txBody>
+      </p:sp>
       <p:pic>
         <p:nvPicPr>
-          <p:cNvPr id="8" name="Picture Placeholder 7" descr="mountains under the night sky just before dawn">
-            <a:extLst>
-              <a:ext uri="{FF2B5EF4-FFF2-40B4-BE49-F238E27FC236}">
-                <a16:creationId xmlns:a16="http://schemas.microsoft.com/office/drawing/2014/main" id="{B53D1AAB-32B2-4F04-828F-AB1C758AF004}"/>
+          <p:cNvPr id="7" name="Picture Placeholder 6" descr="A picture containing text, watch, gauge&#10;&#10;Description automatically generated">
+            <a:extLst>
+              <a:ext uri="{FF2B5EF4-FFF2-40B4-BE49-F238E27FC236}">
+                <a16:creationId xmlns:a16="http://schemas.microsoft.com/office/drawing/2014/main" id="{91B72D70-4810-43AB-804A-47366D8BFA9A}"/>
               </a:ext>
             </a:extLst>
           </p:cNvPr>
@@ -11549,99 +11635,15 @@
             <p:ph type="pic" sz="quarter" idx="13"/>
           </p:nvPr>
         </p:nvPicPr>
-        <p:blipFill rotWithShape="1">
+        <p:blipFill>
           <a:blip r:embed="rId2"/>
-          <a:srcRect l="71" r="71"/>
-          <a:stretch/>
+          <a:srcRect/>
+          <a:stretch>
+            <a:fillRect/>
+          </a:stretch>
         </p:blipFill>
         <p:spPr/>
       </p:pic>
-      <p:sp>
-        <p:nvSpPr>
-          <p:cNvPr id="9" name="Date Placeholder 8">
-            <a:extLst>
-              <a:ext uri="{FF2B5EF4-FFF2-40B4-BE49-F238E27FC236}">
-                <a16:creationId xmlns:a16="http://schemas.microsoft.com/office/drawing/2014/main" id="{D45C472E-4078-40A0-83A2-652E8356EDCB}"/>
-              </a:ext>
-            </a:extLst>
-          </p:cNvPr>
-          <p:cNvSpPr>
-            <a:spLocks noGrp="1"/>
-          </p:cNvSpPr>
-          <p:nvPr>
-            <p:ph type="dt" sz="half" idx="10"/>
-          </p:nvPr>
-        </p:nvSpPr>
-        <p:spPr/>
-        <p:txBody>
-          <a:bodyPr/>
-          <a:lstStyle/>
-          <a:p>
-            <a:r>
-              <a:rPr lang="en-US" dirty="0"/>
-              <a:t>9/3/20XX</a:t>
-            </a:r>
-          </a:p>
-        </p:txBody>
-      </p:sp>
-      <p:sp>
-        <p:nvSpPr>
-          <p:cNvPr id="10" name="Footer Placeholder 9">
-            <a:extLst>
-              <a:ext uri="{FF2B5EF4-FFF2-40B4-BE49-F238E27FC236}">
-                <a16:creationId xmlns:a16="http://schemas.microsoft.com/office/drawing/2014/main" id="{A8C7C3A0-5E78-49C8-B8D4-F3DF62B2BC93}"/>
-              </a:ext>
-            </a:extLst>
-          </p:cNvPr>
-          <p:cNvSpPr>
-            <a:spLocks noGrp="1"/>
-          </p:cNvSpPr>
-          <p:nvPr>
-            <p:ph type="ftr" sz="quarter" idx="11"/>
-          </p:nvPr>
-        </p:nvSpPr>
-        <p:spPr/>
-        <p:txBody>
-          <a:bodyPr/>
-          <a:lstStyle/>
-          <a:p>
-            <a:r>
-              <a:rPr lang="en-US" dirty="0"/>
-              <a:t>Presentation Title</a:t>
-            </a:r>
-          </a:p>
-        </p:txBody>
-      </p:sp>
-      <p:sp>
-        <p:nvSpPr>
-          <p:cNvPr id="11" name="Slide Number Placeholder 10">
-            <a:extLst>
-              <a:ext uri="{FF2B5EF4-FFF2-40B4-BE49-F238E27FC236}">
-                <a16:creationId xmlns:a16="http://schemas.microsoft.com/office/drawing/2014/main" id="{56AE2454-CE9A-4A6B-AB5A-349E0D967654}"/>
-              </a:ext>
-            </a:extLst>
-          </p:cNvPr>
-          <p:cNvSpPr>
-            <a:spLocks noGrp="1"/>
-          </p:cNvSpPr>
-          <p:nvPr>
-            <p:ph type="sldNum" sz="quarter" idx="12"/>
-          </p:nvPr>
-        </p:nvSpPr>
-        <p:spPr/>
-        <p:txBody>
-          <a:bodyPr/>
-          <a:lstStyle/>
-          <a:p>
-            <a:fld id="{D8DA9DAA-006C-4F4B-980E-E3DF019B24E2}" type="slidenum">
-              <a:rPr lang="en-US" smtClean="0"/>
-              <a:pPr/>
-              <a:t>3</a:t>
-            </a:fld>
-            <a:endParaRPr lang="en-US" dirty="0"/>
-          </a:p>
-        </p:txBody>
-      </p:sp>
     </p:spTree>
     <p:extLst>
       <p:ext uri="{BB962C8B-B14F-4D97-AF65-F5344CB8AC3E}">
@@ -11677,7 +11679,7 @@
           <p:cNvPr id="2" name="Title 1">
             <a:extLst>
               <a:ext uri="{FF2B5EF4-FFF2-40B4-BE49-F238E27FC236}">
-                <a16:creationId xmlns:a16="http://schemas.microsoft.com/office/drawing/2014/main" id="{CFACDA59-55A0-4EA5-B3E4-646D1D3B4CEB}"/>
+                <a16:creationId xmlns:a16="http://schemas.microsoft.com/office/drawing/2014/main" id="{7F95BE6F-AB0E-435C-9716-FB14BDEFB8B6}"/>
               </a:ext>
             </a:extLst>
           </p:cNvPr>
@@ -11688,26 +11690,31 @@
             <p:ph type="title"/>
           </p:nvPr>
         </p:nvSpPr>
-        <p:spPr/>
-        <p:txBody>
-          <a:bodyPr>
-            <a:normAutofit/>
-          </a:bodyPr>
+        <p:spPr>
+          <a:xfrm>
+            <a:off x="838200" y="2766218"/>
+            <a:ext cx="10515600" cy="1325563"/>
+          </a:xfrm>
+        </p:spPr>
+        <p:txBody>
+          <a:bodyPr/>
           <a:lstStyle/>
           <a:p>
-            <a:r>
-              <a:rPr lang="en-US" sz="5400" dirty="0"/>
-              <a:t>Title</a:t>
-            </a:r>
-          </a:p>
-        </p:txBody>
-      </p:sp>
-      <p:sp>
-        <p:nvSpPr>
-          <p:cNvPr id="3" name="Text Placeholder 2">
-            <a:extLst>
-              <a:ext uri="{FF2B5EF4-FFF2-40B4-BE49-F238E27FC236}">
-                <a16:creationId xmlns:a16="http://schemas.microsoft.com/office/drawing/2014/main" id="{D14ABC42-7E22-4F59-A0B6-AD98B5CAE0C5}"/>
+            <a:pPr algn="ctr"/>
+            <a:r>
+              <a:rPr lang="en-US" sz="7200" dirty="0"/>
+              <a:t>Demonstration</a:t>
+            </a:r>
+            <a:endParaRPr lang="en-CH" dirty="0"/>
+          </a:p>
+        </p:txBody>
+      </p:sp>
+      <p:sp>
+        <p:nvSpPr>
+          <p:cNvPr id="3" name="Date Placeholder 2">
+            <a:extLst>
+              <a:ext uri="{FF2B5EF4-FFF2-40B4-BE49-F238E27FC236}">
+                <a16:creationId xmlns:a16="http://schemas.microsoft.com/office/drawing/2014/main" id="{20B4B9D7-1898-416E-BC1D-DEBDB3EDC4E3}"/>
               </a:ext>
             </a:extLst>
           </p:cNvPr>
@@ -11715,32 +11722,28 @@
             <a:spLocks noGrp="1"/>
           </p:cNvSpPr>
           <p:nvPr>
-            <p:ph type="body" idx="1"/>
+            <p:ph type="dt" sz="half" idx="10"/>
           </p:nvPr>
         </p:nvSpPr>
-        <p:spPr>
-          <a:xfrm>
-            <a:off x="1447800" y="1681163"/>
-            <a:ext cx="4549775" cy="823912"/>
-          </a:xfrm>
-        </p:spPr>
+        <p:spPr/>
         <p:txBody>
           <a:bodyPr/>
           <a:lstStyle/>
           <a:p>
             <a:r>
-              <a:rPr lang="en-US" dirty="0"/>
-              <a:t>Subtitle</a:t>
-            </a:r>
-          </a:p>
-        </p:txBody>
-      </p:sp>
-      <p:sp>
-        <p:nvSpPr>
-          <p:cNvPr id="4" name="Content Placeholder 3">
-            <a:extLst>
-              <a:ext uri="{FF2B5EF4-FFF2-40B4-BE49-F238E27FC236}">
-                <a16:creationId xmlns:a16="http://schemas.microsoft.com/office/drawing/2014/main" id="{1FE9CB6C-6FF8-4B8C-9B41-2DDD39B25DE3}"/>
+              <a:rPr lang="en-US"/>
+              <a:t>9/3/20XX</a:t>
+            </a:r>
+            <a:endParaRPr lang="en-US" dirty="0"/>
+          </a:p>
+        </p:txBody>
+      </p:sp>
+      <p:sp>
+        <p:nvSpPr>
+          <p:cNvPr id="4" name="Footer Placeholder 3">
+            <a:extLst>
+              <a:ext uri="{FF2B5EF4-FFF2-40B4-BE49-F238E27FC236}">
+                <a16:creationId xmlns:a16="http://schemas.microsoft.com/office/drawing/2014/main" id="{C8DBB1D7-3E47-4A6C-A915-8C30520CFCED}"/>
               </a:ext>
             </a:extLst>
           </p:cNvPr>
@@ -11748,46 +11751,28 @@
             <a:spLocks noGrp="1"/>
           </p:cNvSpPr>
           <p:nvPr>
-            <p:ph sz="half" idx="2"/>
+            <p:ph type="ftr" sz="quarter" idx="11"/>
           </p:nvPr>
         </p:nvSpPr>
-        <p:spPr>
-          <a:xfrm>
-            <a:off x="1447800" y="2505075"/>
-            <a:ext cx="4549775" cy="3684588"/>
-          </a:xfrm>
-        </p:spPr>
-        <p:txBody>
-          <a:bodyPr>
-            <a:normAutofit/>
-          </a:bodyPr>
+        <p:spPr/>
+        <p:txBody>
+          <a:bodyPr/>
           <a:lstStyle/>
           <a:p>
             <a:r>
-              <a:rPr lang="en-US" sz="2000" dirty="0"/>
-              <a:t>Add text, images, art, and videos. </a:t>
-            </a:r>
-          </a:p>
-          <a:p>
-            <a:r>
-              <a:rPr lang="en-US" sz="2000" dirty="0"/>
-              <a:t>Add transitions, animations, and motion. </a:t>
-            </a:r>
-          </a:p>
-          <a:p>
-            <a:r>
-              <a:rPr lang="en-US" sz="2000" dirty="0"/>
-              <a:t>Save to OneDrive, to get to your presentations from your computer, tablet, or phone. </a:t>
-            </a:r>
-          </a:p>
-        </p:txBody>
-      </p:sp>
-      <p:sp>
-        <p:nvSpPr>
-          <p:cNvPr id="5" name="Text Placeholder 4">
-            <a:extLst>
-              <a:ext uri="{FF2B5EF4-FFF2-40B4-BE49-F238E27FC236}">
-                <a16:creationId xmlns:a16="http://schemas.microsoft.com/office/drawing/2014/main" id="{2347FB98-C049-45C5-86B4-4CF44B247B2C}"/>
+              <a:rPr lang="en-US"/>
+              <a:t>Presentation Title</a:t>
+            </a:r>
+            <a:endParaRPr lang="en-US" dirty="0"/>
+          </a:p>
+        </p:txBody>
+      </p:sp>
+      <p:sp>
+        <p:nvSpPr>
+          <p:cNvPr id="5" name="Slide Number Placeholder 4">
+            <a:extLst>
+              <a:ext uri="{FF2B5EF4-FFF2-40B4-BE49-F238E27FC236}">
+                <a16:creationId xmlns:a16="http://schemas.microsoft.com/office/drawing/2014/main" id="{582D4E4B-68BD-4701-9E0E-265A2FAAF91B}"/>
               </a:ext>
             </a:extLst>
           </p:cNvPr>
@@ -11795,71 +11780,26 @@
             <a:spLocks noGrp="1"/>
           </p:cNvSpPr>
           <p:nvPr>
-            <p:ph type="body" sz="quarter" idx="3"/>
+            <p:ph type="sldNum" sz="quarter" idx="12"/>
           </p:nvPr>
         </p:nvSpPr>
-        <p:spPr>
-          <a:xfrm>
-            <a:off x="6783206" y="1681163"/>
-            <a:ext cx="4572182" cy="823912"/>
-          </a:xfrm>
-        </p:spPr>
+        <p:spPr/>
         <p:txBody>
           <a:bodyPr/>
           <a:lstStyle/>
           <a:p>
-            <a:r>
-              <a:rPr lang="en-US" dirty="0"/>
-              <a:t>Subtitle</a:t>
-            </a:r>
-          </a:p>
-        </p:txBody>
-      </p:sp>
-      <p:sp>
-        <p:nvSpPr>
-          <p:cNvPr id="6" name="Content Placeholder 5">
-            <a:extLst>
-              <a:ext uri="{FF2B5EF4-FFF2-40B4-BE49-F238E27FC236}">
-                <a16:creationId xmlns:a16="http://schemas.microsoft.com/office/drawing/2014/main" id="{5A74CB9D-E60B-4C8A-B4E7-23BC1D9FA66E}"/>
-              </a:ext>
-            </a:extLst>
-          </p:cNvPr>
-          <p:cNvSpPr>
-            <a:spLocks noGrp="1"/>
-          </p:cNvSpPr>
-          <p:nvPr>
-            <p:ph sz="quarter" idx="4"/>
-          </p:nvPr>
-        </p:nvSpPr>
-        <p:spPr>
-          <a:xfrm>
-            <a:off x="6783206" y="2505075"/>
-            <a:ext cx="4572182" cy="3684588"/>
-          </a:xfrm>
-        </p:spPr>
-        <p:txBody>
-          <a:bodyPr>
-            <a:normAutofit/>
-          </a:bodyPr>
-          <a:lstStyle/>
-          <a:p>
-            <a:r>
-              <a:rPr lang="en-US" sz="2000" dirty="0"/>
-              <a:t>Open the Design Ideas pane for instant slide makeovers. </a:t>
-            </a:r>
-          </a:p>
-          <a:p>
-            <a:r>
-              <a:rPr lang="en-US" sz="2000" dirty="0"/>
-              <a:t>When we have design ideas, we’ll show them to you right there. </a:t>
-            </a:r>
+            <a:fld id="{D8DA9DAA-006C-4F4B-980E-E3DF019B24E2}" type="slidenum">
+              <a:rPr lang="en-US" smtClean="0"/>
+              <a:t>4</a:t>
+            </a:fld>
+            <a:endParaRPr lang="en-US" dirty="0"/>
           </a:p>
         </p:txBody>
       </p:sp>
     </p:spTree>
     <p:extLst>
       <p:ext uri="{BB962C8B-B14F-4D97-AF65-F5344CB8AC3E}">
-        <p14:creationId xmlns:p14="http://schemas.microsoft.com/office/powerpoint/2010/main" val="3124766000"/>
+        <p14:creationId xmlns:p14="http://schemas.microsoft.com/office/powerpoint/2010/main" val="799097641"/>
       </p:ext>
     </p:extLst>
   </p:cSld>
@@ -11888,10 +11828,28 @@
       </p:grpSpPr>
       <p:sp>
         <p:nvSpPr>
-          <p:cNvPr id="2" name="Title 1">
-            <a:extLst>
-              <a:ext uri="{FF2B5EF4-FFF2-40B4-BE49-F238E27FC236}">
-                <a16:creationId xmlns:a16="http://schemas.microsoft.com/office/drawing/2014/main" id="{CFACDA59-55A0-4EA5-B3E4-646D1D3B4CEB}"/>
+          <p:cNvPr id="2" name="Picture Placeholder 1">
+            <a:extLst>
+              <a:ext uri="{FF2B5EF4-FFF2-40B4-BE49-F238E27FC236}">
+                <a16:creationId xmlns:a16="http://schemas.microsoft.com/office/drawing/2014/main" id="{EC88D604-C596-483C-89BB-C7CCE96A17B6}"/>
+              </a:ext>
+            </a:extLst>
+          </p:cNvPr>
+          <p:cNvSpPr>
+            <a:spLocks noGrp="1"/>
+          </p:cNvSpPr>
+          <p:nvPr>
+            <p:ph type="pic" sz="quarter" idx="13"/>
+          </p:nvPr>
+        </p:nvSpPr>
+        <p:spPr/>
+      </p:sp>
+      <p:sp>
+        <p:nvSpPr>
+          <p:cNvPr id="3" name="Title 2">
+            <a:extLst>
+              <a:ext uri="{FF2B5EF4-FFF2-40B4-BE49-F238E27FC236}">
+                <a16:creationId xmlns:a16="http://schemas.microsoft.com/office/drawing/2014/main" id="{4800E07B-8767-426E-A23E-BDA5F779211E}"/>
               </a:ext>
             </a:extLst>
           </p:cNvPr>
@@ -11904,24 +11862,23 @@
         </p:nvSpPr>
         <p:spPr/>
         <p:txBody>
-          <a:bodyPr>
-            <a:normAutofit/>
-          </a:bodyPr>
+          <a:bodyPr/>
           <a:lstStyle/>
           <a:p>
             <a:r>
-              <a:rPr lang="en-US" sz="5400" dirty="0"/>
-              <a:t>Title </a:t>
-            </a:r>
-          </a:p>
-        </p:txBody>
-      </p:sp>
-      <p:sp>
-        <p:nvSpPr>
-          <p:cNvPr id="3" name="Text Placeholder 2">
-            <a:extLst>
-              <a:ext uri="{FF2B5EF4-FFF2-40B4-BE49-F238E27FC236}">
-                <a16:creationId xmlns:a16="http://schemas.microsoft.com/office/drawing/2014/main" id="{D14ABC42-7E22-4F59-A0B6-AD98B5CAE0C5}"/>
+              <a:rPr lang="en-US" dirty="0"/>
+              <a:t>Scrum Artefacts</a:t>
+            </a:r>
+            <a:endParaRPr lang="en-CH" dirty="0"/>
+          </a:p>
+        </p:txBody>
+      </p:sp>
+      <p:sp>
+        <p:nvSpPr>
+          <p:cNvPr id="4" name="Content Placeholder 3">
+            <a:extLst>
+              <a:ext uri="{FF2B5EF4-FFF2-40B4-BE49-F238E27FC236}">
+                <a16:creationId xmlns:a16="http://schemas.microsoft.com/office/drawing/2014/main" id="{79FA40FA-C95E-4B5F-B1E6-D9686540C3E9}"/>
               </a:ext>
             </a:extLst>
           </p:cNvPr>
@@ -11929,34 +11886,24 @@
             <a:spLocks noGrp="1"/>
           </p:cNvSpPr>
           <p:nvPr>
-            <p:ph type="body" idx="1"/>
+            <p:ph idx="1"/>
           </p:nvPr>
         </p:nvSpPr>
-        <p:spPr>
-          <a:xfrm>
-            <a:off x="1447800" y="1681163"/>
-            <a:ext cx="2834640" cy="823912"/>
-          </a:xfrm>
-        </p:spPr>
-        <p:txBody>
-          <a:bodyPr>
-            <a:normAutofit/>
-          </a:bodyPr>
+        <p:spPr/>
+        <p:txBody>
+          <a:bodyPr/>
           <a:lstStyle/>
           <a:p>
-            <a:r>
-              <a:rPr lang="en-US" dirty="0"/>
-              <a:t>Subtitle</a:t>
-            </a:r>
-          </a:p>
-        </p:txBody>
-      </p:sp>
-      <p:sp>
-        <p:nvSpPr>
-          <p:cNvPr id="4" name="Content Placeholder 3">
-            <a:extLst>
-              <a:ext uri="{FF2B5EF4-FFF2-40B4-BE49-F238E27FC236}">
-                <a16:creationId xmlns:a16="http://schemas.microsoft.com/office/drawing/2014/main" id="{1FE9CB6C-6FF8-4B8C-9B41-2DDD39B25DE3}"/>
+            <a:endParaRPr lang="en-CH"/>
+          </a:p>
+        </p:txBody>
+      </p:sp>
+      <p:sp>
+        <p:nvSpPr>
+          <p:cNvPr id="5" name="Date Placeholder 4">
+            <a:extLst>
+              <a:ext uri="{FF2B5EF4-FFF2-40B4-BE49-F238E27FC236}">
+                <a16:creationId xmlns:a16="http://schemas.microsoft.com/office/drawing/2014/main" id="{A3505D67-397C-407B-9A0B-F1FA8CF2ED43}"/>
               </a:ext>
             </a:extLst>
           </p:cNvPr>
@@ -11964,46 +11911,28 @@
             <a:spLocks noGrp="1"/>
           </p:cNvSpPr>
           <p:nvPr>
-            <p:ph sz="half" idx="2"/>
+            <p:ph type="dt" sz="half" idx="10"/>
           </p:nvPr>
         </p:nvSpPr>
-        <p:spPr>
-          <a:xfrm>
-            <a:off x="1447800" y="2505075"/>
-            <a:ext cx="2834640" cy="3684588"/>
-          </a:xfrm>
-        </p:spPr>
-        <p:txBody>
-          <a:bodyPr>
-            <a:normAutofit/>
-          </a:bodyPr>
+        <p:spPr/>
+        <p:txBody>
+          <a:bodyPr/>
           <a:lstStyle/>
           <a:p>
             <a:r>
-              <a:rPr lang="en-US" sz="2000" dirty="0"/>
-              <a:t>Add text, images, art, and videos. </a:t>
-            </a:r>
-          </a:p>
-          <a:p>
-            <a:r>
-              <a:rPr lang="en-US" sz="2000" dirty="0"/>
-              <a:t>Add transitions, animations, and motion. </a:t>
-            </a:r>
-          </a:p>
-          <a:p>
-            <a:r>
-              <a:rPr lang="en-US" sz="2000" dirty="0"/>
-              <a:t>Save to OneDrive, to get to your presentations from your computer, tablet, or phone. </a:t>
-            </a:r>
-          </a:p>
-        </p:txBody>
-      </p:sp>
-      <p:sp>
-        <p:nvSpPr>
-          <p:cNvPr id="5" name="Text Placeholder 4">
-            <a:extLst>
-              <a:ext uri="{FF2B5EF4-FFF2-40B4-BE49-F238E27FC236}">
-                <a16:creationId xmlns:a16="http://schemas.microsoft.com/office/drawing/2014/main" id="{2347FB98-C049-45C5-86B4-4CF44B247B2C}"/>
+              <a:rPr lang="en-US"/>
+              <a:t>9/3/20XX</a:t>
+            </a:r>
+            <a:endParaRPr lang="en-US" dirty="0"/>
+          </a:p>
+        </p:txBody>
+      </p:sp>
+      <p:sp>
+        <p:nvSpPr>
+          <p:cNvPr id="6" name="Footer Placeholder 5">
+            <a:extLst>
+              <a:ext uri="{FF2B5EF4-FFF2-40B4-BE49-F238E27FC236}">
+                <a16:creationId xmlns:a16="http://schemas.microsoft.com/office/drawing/2014/main" id="{1573B5DB-53EB-4A58-94C3-B40BA912111A}"/>
               </a:ext>
             </a:extLst>
           </p:cNvPr>
@@ -12011,34 +11940,28 @@
             <a:spLocks noGrp="1"/>
           </p:cNvSpPr>
           <p:nvPr>
-            <p:ph type="body" sz="quarter" idx="3"/>
+            <p:ph type="ftr" sz="quarter" idx="11"/>
           </p:nvPr>
         </p:nvSpPr>
-        <p:spPr>
-          <a:xfrm>
-            <a:off x="4987335" y="1681163"/>
-            <a:ext cx="2834640" cy="823912"/>
-          </a:xfrm>
-        </p:spPr>
-        <p:txBody>
-          <a:bodyPr>
-            <a:normAutofit/>
-          </a:bodyPr>
+        <p:spPr/>
+        <p:txBody>
+          <a:bodyPr/>
           <a:lstStyle/>
           <a:p>
             <a:r>
-              <a:rPr lang="en-US" dirty="0"/>
-              <a:t>Subtitle</a:t>
-            </a:r>
-          </a:p>
-        </p:txBody>
-      </p:sp>
-      <p:sp>
-        <p:nvSpPr>
-          <p:cNvPr id="6" name="Content Placeholder 5">
-            <a:extLst>
-              <a:ext uri="{FF2B5EF4-FFF2-40B4-BE49-F238E27FC236}">
-                <a16:creationId xmlns:a16="http://schemas.microsoft.com/office/drawing/2014/main" id="{5A74CB9D-E60B-4C8A-B4E7-23BC1D9FA66E}"/>
+              <a:rPr lang="en-US"/>
+              <a:t>Presentation Title</a:t>
+            </a:r>
+            <a:endParaRPr lang="en-US" dirty="0"/>
+          </a:p>
+        </p:txBody>
+      </p:sp>
+      <p:sp>
+        <p:nvSpPr>
+          <p:cNvPr id="7" name="Slide Number Placeholder 6">
+            <a:extLst>
+              <a:ext uri="{FF2B5EF4-FFF2-40B4-BE49-F238E27FC236}">
+                <a16:creationId xmlns:a16="http://schemas.microsoft.com/office/drawing/2014/main" id="{3C7E879F-FEFE-4F80-9A1B-82F780CD1F5F}"/>
               </a:ext>
             </a:extLst>
           </p:cNvPr>
@@ -12046,443 +11969,27 @@
             <a:spLocks noGrp="1"/>
           </p:cNvSpPr>
           <p:nvPr>
-            <p:ph sz="quarter" idx="4"/>
+            <p:ph type="sldNum" sz="quarter" idx="12"/>
           </p:nvPr>
         </p:nvSpPr>
-        <p:spPr>
-          <a:xfrm>
-            <a:off x="4987335" y="2505075"/>
-            <a:ext cx="2834640" cy="3684588"/>
-          </a:xfrm>
-        </p:spPr>
-        <p:txBody>
-          <a:bodyPr>
-            <a:normAutofit/>
-          </a:bodyPr>
+        <p:spPr/>
+        <p:txBody>
+          <a:bodyPr/>
           <a:lstStyle/>
           <a:p>
-            <a:r>
-              <a:rPr lang="en-US" sz="2000" dirty="0"/>
-              <a:t>Open the Design Ideas pane for instant slide makeovers. </a:t>
-            </a:r>
-          </a:p>
-          <a:p>
-            <a:r>
-              <a:rPr lang="en-US" sz="2000" dirty="0"/>
-              <a:t>When we have design ideas, we’ll show them to you right there. </a:t>
-            </a:r>
-          </a:p>
-        </p:txBody>
-      </p:sp>
-      <p:sp>
-        <p:nvSpPr>
-          <p:cNvPr id="11" name="Text Placeholder 4">
-            <a:extLst>
-              <a:ext uri="{FF2B5EF4-FFF2-40B4-BE49-F238E27FC236}">
-                <a16:creationId xmlns:a16="http://schemas.microsoft.com/office/drawing/2014/main" id="{CE6B5B72-43F9-4438-A504-FD3C083AB96D}"/>
-              </a:ext>
-            </a:extLst>
-          </p:cNvPr>
-          <p:cNvSpPr txBox="1">
-            <a:spLocks/>
-          </p:cNvSpPr>
-          <p:nvPr/>
-        </p:nvSpPr>
-        <p:spPr>
-          <a:xfrm>
-            <a:off x="8526870" y="1681163"/>
-            <a:ext cx="2834640" cy="823912"/>
-          </a:xfrm>
-          <a:prstGeom prst="rect">
-            <a:avLst/>
-          </a:prstGeom>
-        </p:spPr>
-        <p:txBody>
-          <a:bodyPr vert="horz" lIns="91440" tIns="45720" rIns="91440" bIns="45720" rtlCol="0" anchor="b">
-            <a:normAutofit/>
-          </a:bodyPr>
-          <a:lstStyle>
-            <a:lvl1pPr marL="0" indent="0" algn="l" defTabSz="914400" rtl="0" eaLnBrk="1" latinLnBrk="0" hangingPunct="1">
-              <a:lnSpc>
-                <a:spcPct val="90000"/>
-              </a:lnSpc>
-              <a:spcBef>
-                <a:spcPts val="1000"/>
-              </a:spcBef>
-              <a:buFont typeface="Arial" panose="020B0604020202020204" pitchFamily="34" charset="0"/>
-              <a:buNone/>
-              <a:defRPr sz="2400" b="1" kern="1200">
-                <a:solidFill>
-                  <a:schemeClr val="tx1"/>
-                </a:solidFill>
-                <a:latin typeface="+mn-lt"/>
-                <a:ea typeface="+mn-ea"/>
-                <a:cs typeface="+mn-cs"/>
-              </a:defRPr>
-            </a:lvl1pPr>
-            <a:lvl2pPr marL="457200" indent="0" algn="l" defTabSz="914400" rtl="0" eaLnBrk="1" latinLnBrk="0" hangingPunct="1">
-              <a:lnSpc>
-                <a:spcPct val="90000"/>
-              </a:lnSpc>
-              <a:spcBef>
-                <a:spcPts val="500"/>
-              </a:spcBef>
-              <a:buFont typeface="Arial" panose="020B0604020202020204" pitchFamily="34" charset="0"/>
-              <a:buNone/>
-              <a:defRPr sz="2000" b="1" kern="1200">
-                <a:solidFill>
-                  <a:schemeClr val="tx1"/>
-                </a:solidFill>
-                <a:latin typeface="+mn-lt"/>
-                <a:ea typeface="+mn-ea"/>
-                <a:cs typeface="+mn-cs"/>
-              </a:defRPr>
-            </a:lvl2pPr>
-            <a:lvl3pPr marL="914400" indent="0" algn="l" defTabSz="914400" rtl="0" eaLnBrk="1" latinLnBrk="0" hangingPunct="1">
-              <a:lnSpc>
-                <a:spcPct val="90000"/>
-              </a:lnSpc>
-              <a:spcBef>
-                <a:spcPts val="500"/>
-              </a:spcBef>
-              <a:buFont typeface="Arial" panose="020B0604020202020204" pitchFamily="34" charset="0"/>
-              <a:buNone/>
-              <a:defRPr sz="1800" b="1" kern="1200">
-                <a:solidFill>
-                  <a:schemeClr val="tx1"/>
-                </a:solidFill>
-                <a:latin typeface="+mn-lt"/>
-                <a:ea typeface="+mn-ea"/>
-                <a:cs typeface="+mn-cs"/>
-              </a:defRPr>
-            </a:lvl3pPr>
-            <a:lvl4pPr marL="1371600" indent="0" algn="l" defTabSz="914400" rtl="0" eaLnBrk="1" latinLnBrk="0" hangingPunct="1">
-              <a:lnSpc>
-                <a:spcPct val="90000"/>
-              </a:lnSpc>
-              <a:spcBef>
-                <a:spcPts val="500"/>
-              </a:spcBef>
-              <a:buFont typeface="Arial" panose="020B0604020202020204" pitchFamily="34" charset="0"/>
-              <a:buNone/>
-              <a:defRPr sz="1600" b="1" kern="1200">
-                <a:solidFill>
-                  <a:schemeClr val="tx1"/>
-                </a:solidFill>
-                <a:latin typeface="+mn-lt"/>
-                <a:ea typeface="+mn-ea"/>
-                <a:cs typeface="+mn-cs"/>
-              </a:defRPr>
-            </a:lvl4pPr>
-            <a:lvl5pPr marL="1828800" indent="0" algn="l" defTabSz="914400" rtl="0" eaLnBrk="1" latinLnBrk="0" hangingPunct="1">
-              <a:lnSpc>
-                <a:spcPct val="90000"/>
-              </a:lnSpc>
-              <a:spcBef>
-                <a:spcPts val="500"/>
-              </a:spcBef>
-              <a:buFont typeface="Arial" panose="020B0604020202020204" pitchFamily="34" charset="0"/>
-              <a:buNone/>
-              <a:defRPr sz="1600" b="1" kern="1200">
-                <a:solidFill>
-                  <a:schemeClr val="tx1"/>
-                </a:solidFill>
-                <a:latin typeface="+mn-lt"/>
-                <a:ea typeface="+mn-ea"/>
-                <a:cs typeface="+mn-cs"/>
-              </a:defRPr>
-            </a:lvl5pPr>
-            <a:lvl6pPr marL="2286000" indent="0" algn="l" defTabSz="914400" rtl="0" eaLnBrk="1" latinLnBrk="0" hangingPunct="1">
-              <a:lnSpc>
-                <a:spcPct val="90000"/>
-              </a:lnSpc>
-              <a:spcBef>
-                <a:spcPts val="500"/>
-              </a:spcBef>
-              <a:buFont typeface="Arial" panose="020B0604020202020204" pitchFamily="34" charset="0"/>
-              <a:buNone/>
-              <a:defRPr sz="1600" b="1" kern="1200">
-                <a:solidFill>
-                  <a:schemeClr val="tx1"/>
-                </a:solidFill>
-                <a:latin typeface="+mn-lt"/>
-                <a:ea typeface="+mn-ea"/>
-                <a:cs typeface="+mn-cs"/>
-              </a:defRPr>
-            </a:lvl6pPr>
-            <a:lvl7pPr marL="2743200" indent="0" algn="l" defTabSz="914400" rtl="0" eaLnBrk="1" latinLnBrk="0" hangingPunct="1">
-              <a:lnSpc>
-                <a:spcPct val="90000"/>
-              </a:lnSpc>
-              <a:spcBef>
-                <a:spcPts val="500"/>
-              </a:spcBef>
-              <a:buFont typeface="Arial" panose="020B0604020202020204" pitchFamily="34" charset="0"/>
-              <a:buNone/>
-              <a:defRPr sz="1600" b="1" kern="1200">
-                <a:solidFill>
-                  <a:schemeClr val="tx1"/>
-                </a:solidFill>
-                <a:latin typeface="+mn-lt"/>
-                <a:ea typeface="+mn-ea"/>
-                <a:cs typeface="+mn-cs"/>
-              </a:defRPr>
-            </a:lvl7pPr>
-            <a:lvl8pPr marL="3200400" indent="0" algn="l" defTabSz="914400" rtl="0" eaLnBrk="1" latinLnBrk="0" hangingPunct="1">
-              <a:lnSpc>
-                <a:spcPct val="90000"/>
-              </a:lnSpc>
-              <a:spcBef>
-                <a:spcPts val="500"/>
-              </a:spcBef>
-              <a:buFont typeface="Arial" panose="020B0604020202020204" pitchFamily="34" charset="0"/>
-              <a:buNone/>
-              <a:defRPr sz="1600" b="1" kern="1200">
-                <a:solidFill>
-                  <a:schemeClr val="tx1"/>
-                </a:solidFill>
-                <a:latin typeface="+mn-lt"/>
-                <a:ea typeface="+mn-ea"/>
-                <a:cs typeface="+mn-cs"/>
-              </a:defRPr>
-            </a:lvl8pPr>
-            <a:lvl9pPr marL="3657600" indent="0" algn="l" defTabSz="914400" rtl="0" eaLnBrk="1" latinLnBrk="0" hangingPunct="1">
-              <a:lnSpc>
-                <a:spcPct val="90000"/>
-              </a:lnSpc>
-              <a:spcBef>
-                <a:spcPts val="500"/>
-              </a:spcBef>
-              <a:buFont typeface="Arial" panose="020B0604020202020204" pitchFamily="34" charset="0"/>
-              <a:buNone/>
-              <a:defRPr sz="1600" b="1" kern="1200">
-                <a:solidFill>
-                  <a:schemeClr val="tx1"/>
-                </a:solidFill>
-                <a:latin typeface="+mn-lt"/>
-                <a:ea typeface="+mn-ea"/>
-                <a:cs typeface="+mn-cs"/>
-              </a:defRPr>
-            </a:lvl9pPr>
-          </a:lstStyle>
-          <a:p>
-            <a:r>
-              <a:rPr lang="en-US" dirty="0"/>
-              <a:t>Subtitle</a:t>
-            </a:r>
-          </a:p>
-        </p:txBody>
-      </p:sp>
-      <p:sp>
-        <p:nvSpPr>
-          <p:cNvPr id="13" name="Content Placeholder 5">
-            <a:extLst>
-              <a:ext uri="{FF2B5EF4-FFF2-40B4-BE49-F238E27FC236}">
-                <a16:creationId xmlns:a16="http://schemas.microsoft.com/office/drawing/2014/main" id="{DE486408-F529-4D60-A080-911A0851FE1B}"/>
-              </a:ext>
-            </a:extLst>
-          </p:cNvPr>
-          <p:cNvSpPr txBox="1">
-            <a:spLocks/>
-          </p:cNvSpPr>
-          <p:nvPr/>
-        </p:nvSpPr>
-        <p:spPr>
-          <a:xfrm>
-            <a:off x="8526870" y="2505075"/>
-            <a:ext cx="2834640" cy="3684588"/>
-          </a:xfrm>
-          <a:prstGeom prst="rect">
-            <a:avLst/>
-          </a:prstGeom>
-        </p:spPr>
-        <p:txBody>
-          <a:bodyPr vert="horz" lIns="91440" tIns="45720" rIns="91440" bIns="45720" rtlCol="0">
-            <a:normAutofit lnSpcReduction="10000"/>
-          </a:bodyPr>
-          <a:lstStyle>
-            <a:lvl1pPr marL="228600" indent="-228600" algn="l" defTabSz="914400" rtl="0" eaLnBrk="1" latinLnBrk="0" hangingPunct="1">
-              <a:lnSpc>
-                <a:spcPct val="90000"/>
-              </a:lnSpc>
-              <a:spcBef>
-                <a:spcPts val="1000"/>
-              </a:spcBef>
-              <a:buFont typeface="Arial" panose="020B0604020202020204" pitchFamily="34" charset="0"/>
-              <a:buChar char="•"/>
-              <a:defRPr sz="2800" kern="1200">
-                <a:solidFill>
-                  <a:schemeClr val="tx1"/>
-                </a:solidFill>
-                <a:latin typeface="+mn-lt"/>
-                <a:ea typeface="+mn-ea"/>
-                <a:cs typeface="+mn-cs"/>
-              </a:defRPr>
-            </a:lvl1pPr>
-            <a:lvl2pPr marL="685800" indent="-228600" algn="l" defTabSz="914400" rtl="0" eaLnBrk="1" latinLnBrk="0" hangingPunct="1">
-              <a:lnSpc>
-                <a:spcPct val="90000"/>
-              </a:lnSpc>
-              <a:spcBef>
-                <a:spcPts val="500"/>
-              </a:spcBef>
-              <a:buFont typeface="Arial" panose="020B0604020202020204" pitchFamily="34" charset="0"/>
-              <a:buChar char="•"/>
-              <a:defRPr sz="2400" kern="1200">
-                <a:solidFill>
-                  <a:schemeClr val="tx1"/>
-                </a:solidFill>
-                <a:latin typeface="+mn-lt"/>
-                <a:ea typeface="+mn-ea"/>
-                <a:cs typeface="+mn-cs"/>
-              </a:defRPr>
-            </a:lvl2pPr>
-            <a:lvl3pPr marL="1143000" indent="-228600" algn="l" defTabSz="914400" rtl="0" eaLnBrk="1" latinLnBrk="0" hangingPunct="1">
-              <a:lnSpc>
-                <a:spcPct val="90000"/>
-              </a:lnSpc>
-              <a:spcBef>
-                <a:spcPts val="500"/>
-              </a:spcBef>
-              <a:buFont typeface="Arial" panose="020B0604020202020204" pitchFamily="34" charset="0"/>
-              <a:buChar char="•"/>
-              <a:defRPr sz="2000" kern="1200">
-                <a:solidFill>
-                  <a:schemeClr val="tx1"/>
-                </a:solidFill>
-                <a:latin typeface="+mn-lt"/>
-                <a:ea typeface="+mn-ea"/>
-                <a:cs typeface="+mn-cs"/>
-              </a:defRPr>
-            </a:lvl3pPr>
-            <a:lvl4pPr marL="1600200" indent="-228600" algn="l" defTabSz="914400" rtl="0" eaLnBrk="1" latinLnBrk="0" hangingPunct="1">
-              <a:lnSpc>
-                <a:spcPct val="90000"/>
-              </a:lnSpc>
-              <a:spcBef>
-                <a:spcPts val="500"/>
-              </a:spcBef>
-              <a:buFont typeface="Arial" panose="020B0604020202020204" pitchFamily="34" charset="0"/>
-              <a:buChar char="•"/>
-              <a:defRPr sz="1800" kern="1200">
-                <a:solidFill>
-                  <a:schemeClr val="tx1"/>
-                </a:solidFill>
-                <a:latin typeface="+mn-lt"/>
-                <a:ea typeface="+mn-ea"/>
-                <a:cs typeface="+mn-cs"/>
-              </a:defRPr>
-            </a:lvl4pPr>
-            <a:lvl5pPr marL="2057400" indent="-228600" algn="l" defTabSz="914400" rtl="0" eaLnBrk="1" latinLnBrk="0" hangingPunct="1">
-              <a:lnSpc>
-                <a:spcPct val="90000"/>
-              </a:lnSpc>
-              <a:spcBef>
-                <a:spcPts val="500"/>
-              </a:spcBef>
-              <a:buFont typeface="Arial" panose="020B0604020202020204" pitchFamily="34" charset="0"/>
-              <a:buChar char="•"/>
-              <a:defRPr sz="1800" kern="1200">
-                <a:solidFill>
-                  <a:schemeClr val="tx1"/>
-                </a:solidFill>
-                <a:latin typeface="+mn-lt"/>
-                <a:ea typeface="+mn-ea"/>
-                <a:cs typeface="+mn-cs"/>
-              </a:defRPr>
-            </a:lvl5pPr>
-            <a:lvl6pPr marL="2514600" indent="-228600" algn="l" defTabSz="914400" rtl="0" eaLnBrk="1" latinLnBrk="0" hangingPunct="1">
-              <a:lnSpc>
-                <a:spcPct val="90000"/>
-              </a:lnSpc>
-              <a:spcBef>
-                <a:spcPts val="500"/>
-              </a:spcBef>
-              <a:buFont typeface="Arial" panose="020B0604020202020204" pitchFamily="34" charset="0"/>
-              <a:buChar char="•"/>
-              <a:defRPr sz="1800" kern="1200">
-                <a:solidFill>
-                  <a:schemeClr val="tx1"/>
-                </a:solidFill>
-                <a:latin typeface="+mn-lt"/>
-                <a:ea typeface="+mn-ea"/>
-                <a:cs typeface="+mn-cs"/>
-              </a:defRPr>
-            </a:lvl6pPr>
-            <a:lvl7pPr marL="2971800" indent="-228600" algn="l" defTabSz="914400" rtl="0" eaLnBrk="1" latinLnBrk="0" hangingPunct="1">
-              <a:lnSpc>
-                <a:spcPct val="90000"/>
-              </a:lnSpc>
-              <a:spcBef>
-                <a:spcPts val="500"/>
-              </a:spcBef>
-              <a:buFont typeface="Arial" panose="020B0604020202020204" pitchFamily="34" charset="0"/>
-              <a:buChar char="•"/>
-              <a:defRPr sz="1800" kern="1200">
-                <a:solidFill>
-                  <a:schemeClr val="tx1"/>
-                </a:solidFill>
-                <a:latin typeface="+mn-lt"/>
-                <a:ea typeface="+mn-ea"/>
-                <a:cs typeface="+mn-cs"/>
-              </a:defRPr>
-            </a:lvl7pPr>
-            <a:lvl8pPr marL="3429000" indent="-228600" algn="l" defTabSz="914400" rtl="0" eaLnBrk="1" latinLnBrk="0" hangingPunct="1">
-              <a:lnSpc>
-                <a:spcPct val="90000"/>
-              </a:lnSpc>
-              <a:spcBef>
-                <a:spcPts val="500"/>
-              </a:spcBef>
-              <a:buFont typeface="Arial" panose="020B0604020202020204" pitchFamily="34" charset="0"/>
-              <a:buChar char="•"/>
-              <a:defRPr sz="1800" kern="1200">
-                <a:solidFill>
-                  <a:schemeClr val="tx1"/>
-                </a:solidFill>
-                <a:latin typeface="+mn-lt"/>
-                <a:ea typeface="+mn-ea"/>
-                <a:cs typeface="+mn-cs"/>
-              </a:defRPr>
-            </a:lvl8pPr>
-            <a:lvl9pPr marL="3886200" indent="-228600" algn="l" defTabSz="914400" rtl="0" eaLnBrk="1" latinLnBrk="0" hangingPunct="1">
-              <a:lnSpc>
-                <a:spcPct val="90000"/>
-              </a:lnSpc>
-              <a:spcBef>
-                <a:spcPts val="500"/>
-              </a:spcBef>
-              <a:buFont typeface="Arial" panose="020B0604020202020204" pitchFamily="34" charset="0"/>
-              <a:buChar char="•"/>
-              <a:defRPr sz="1800" kern="1200">
-                <a:solidFill>
-                  <a:schemeClr val="tx1"/>
-                </a:solidFill>
-                <a:latin typeface="+mn-lt"/>
-                <a:ea typeface="+mn-ea"/>
-                <a:cs typeface="+mn-cs"/>
-              </a:defRPr>
-            </a:lvl9pPr>
-          </a:lstStyle>
-          <a:p>
-            <a:r>
-              <a:rPr lang="en-US" sz="2000" dirty="0"/>
-              <a:t>This PowerPoint theme uses its own unique set of colors, fonts, and effects to create the overall look and feel of these slides. </a:t>
-            </a:r>
-          </a:p>
-          <a:p>
-            <a:r>
-              <a:rPr lang="en-US" sz="2000"/>
-              <a:t>PowerPoint has tons of themes to give your presentation just the right personality. </a:t>
-            </a:r>
-            <a:endParaRPr lang="en-US" sz="2000" dirty="0"/>
+            <a:fld id="{D8DA9DAA-006C-4F4B-980E-E3DF019B24E2}" type="slidenum">
+              <a:rPr lang="en-US" smtClean="0"/>
+              <a:pPr/>
+              <a:t>5</a:t>
+            </a:fld>
+            <a:endParaRPr lang="en-US" dirty="0"/>
           </a:p>
         </p:txBody>
       </p:sp>
     </p:spTree>
     <p:extLst>
       <p:ext uri="{BB962C8B-B14F-4D97-AF65-F5344CB8AC3E}">
-        <p14:creationId xmlns:p14="http://schemas.microsoft.com/office/powerpoint/2010/main" val="1403455250"/>
+        <p14:creationId xmlns:p14="http://schemas.microsoft.com/office/powerpoint/2010/main" val="986977004"/>
       </p:ext>
     </p:extLst>
   </p:cSld>
@@ -12998,15 +12505,6 @@
 </file>
 
 <file path=customXml/item2.xml><?xml version="1.0" encoding="utf-8"?>
-<p:properties xmlns:p="http://schemas.microsoft.com/office/2006/metadata/properties" xmlns:xsi="http://www.w3.org/2001/XMLSchema-instance" xmlns:pc="http://schemas.microsoft.com/office/infopath/2007/PartnerControls">
-  <documentManagement>
-    <Status xmlns="71af3243-3dd4-4a8d-8c0d-dd76da1f02a5">Not started</Status>
-    <MediaServiceKeyPoints xmlns="71af3243-3dd4-4a8d-8c0d-dd76da1f02a5" xsi:nil="true"/>
-  </documentManagement>
-</p:properties>
-</file>
-
-<file path=customXml/item3.xml><?xml version="1.0" encoding="utf-8"?>
 <ct:contentTypeSchema xmlns:ct="http://schemas.microsoft.com/office/2006/metadata/contentType" xmlns:ma="http://schemas.microsoft.com/office/2006/metadata/properties/metaAttributes" ct:_="" ma:_="" ma:contentTypeName="Document" ma:contentTypeID="0x01010079F111ED35F8CC479449609E8A0923A6" ma:contentTypeVersion="12" ma:contentTypeDescription="Create a new document." ma:contentTypeScope="" ma:versionID="426e97fa315356fffbdcd9876fe988c2">
   <xsd:schema xmlns:xsd="http://www.w3.org/2001/XMLSchema" xmlns:xs="http://www.w3.org/2001/XMLSchema" xmlns:p="http://schemas.microsoft.com/office/2006/metadata/properties" xmlns:ns2="71af3243-3dd4-4a8d-8c0d-dd76da1f02a5" xmlns:ns3="16c05727-aa75-4e4a-9b5f-8a80a1165891" targetNamespace="http://schemas.microsoft.com/office/2006/metadata/properties" ma:root="true" ma:fieldsID="14b8f0def80e6d70ce3def20c90759ae" ns2:_="" ns3:_="">
     <xsd:import namespace="71af3243-3dd4-4a8d-8c0d-dd76da1f02a5"/>
@@ -13227,6 +12725,15 @@
 </ct:contentTypeSchema>
 </file>
 
+<file path=customXml/item3.xml><?xml version="1.0" encoding="utf-8"?>
+<p:properties xmlns:p="http://schemas.microsoft.com/office/2006/metadata/properties" xmlns:xsi="http://www.w3.org/2001/XMLSchema-instance" xmlns:pc="http://schemas.microsoft.com/office/infopath/2007/PartnerControls">
+  <documentManagement>
+    <Status xmlns="71af3243-3dd4-4a8d-8c0d-dd76da1f02a5">Not started</Status>
+    <MediaServiceKeyPoints xmlns="71af3243-3dd4-4a8d-8c0d-dd76da1f02a5" xsi:nil="true"/>
+  </documentManagement>
+</p:properties>
+</file>
+
 <file path=customXml/itemProps1.xml><?xml version="1.0" encoding="utf-8"?>
 <ds:datastoreItem xmlns:ds="http://schemas.openxmlformats.org/officeDocument/2006/customXml" ds:itemID="{3C8E00D1-8EA3-4E42-801D-0253E1EAFC21}">
   <ds:schemaRefs>
@@ -13236,16 +12743,6 @@
 </file>
 
 <file path=customXml/itemProps2.xml><?xml version="1.0" encoding="utf-8"?>
-<ds:datastoreItem xmlns:ds="http://schemas.openxmlformats.org/officeDocument/2006/customXml" ds:itemID="{99919F73-B6C2-4A43-95E2-833EC48925FE}">
-  <ds:schemaRefs>
-    <ds:schemaRef ds:uri="http://schemas.microsoft.com/office/2006/metadata/properties"/>
-    <ds:schemaRef ds:uri="http://schemas.microsoft.com/office/infopath/2007/PartnerControls"/>
-    <ds:schemaRef ds:uri="71af3243-3dd4-4a8d-8c0d-dd76da1f02a5"/>
-  </ds:schemaRefs>
-</ds:datastoreItem>
-</file>
-
-<file path=customXml/itemProps3.xml><?xml version="1.0" encoding="utf-8"?>
 <ds:datastoreItem xmlns:ds="http://schemas.openxmlformats.org/officeDocument/2006/customXml" ds:itemID="{ABC329F5-30EE-4BF7-AA2A-B837B51416B4}">
   <ds:schemaRefs>
     <ds:schemaRef ds:uri="http://schemas.microsoft.com/office/2006/metadata/contentType"/>
@@ -13262,4 +12759,14 @@
     <ds:schemaRef ds:uri="http://schemas.microsoft.com/internal/obd"/>
   </ds:schemaRefs>
 </ds:datastoreItem>
+</file>
+
+<file path=customXml/itemProps3.xml><?xml version="1.0" encoding="utf-8"?>
+<ds:datastoreItem xmlns:ds="http://schemas.openxmlformats.org/officeDocument/2006/customXml" ds:itemID="{99919F73-B6C2-4A43-95E2-833EC48925FE}">
+  <ds:schemaRefs>
+    <ds:schemaRef ds:uri="http://schemas.microsoft.com/office/2006/metadata/properties"/>
+    <ds:schemaRef ds:uri="http://schemas.microsoft.com/office/infopath/2007/PartnerControls"/>
+    <ds:schemaRef ds:uri="71af3243-3dd4-4a8d-8c0d-dd76da1f02a5"/>
+  </ds:schemaRefs>
+</ds:datastoreItem>
 </file>
--- a/doku/Notre Projet.pptx
+++ b/doku/Notre Projet.pptx
@@ -11232,41 +11232,6 @@
           </a:p>
         </p:txBody>
       </p:sp>
-      <p:sp>
-        <p:nvSpPr>
-          <p:cNvPr id="3" name="Subtitle 2">
-            <a:extLst>
-              <a:ext uri="{FF2B5EF4-FFF2-40B4-BE49-F238E27FC236}">
-                <a16:creationId xmlns:a16="http://schemas.microsoft.com/office/drawing/2014/main" id="{A5F14073-9F68-4B7E-A576-26899D58C7A9}"/>
-              </a:ext>
-            </a:extLst>
-          </p:cNvPr>
-          <p:cNvSpPr>
-            <a:spLocks noGrp="1"/>
-          </p:cNvSpPr>
-          <p:nvPr>
-            <p:ph type="subTitle" idx="1"/>
-          </p:nvPr>
-        </p:nvSpPr>
-        <p:spPr/>
-        <p:txBody>
-          <a:bodyPr/>
-          <a:lstStyle/>
-          <a:p>
-            <a:r>
-              <a:rPr lang="en-US" sz="2000" dirty="0">
-                <a:solidFill>
-                  <a:schemeClr val="bg1"/>
-                </a:solidFill>
-              </a:rPr>
-              <a:t>Presenter Name</a:t>
-            </a:r>
-          </a:p>
-          <a:p>
-            <a:endParaRPr lang="en-US" dirty="0"/>
-          </a:p>
-        </p:txBody>
-      </p:sp>
     </p:spTree>
     <p:extLst>
       <p:ext uri="{BB962C8B-B14F-4D97-AF65-F5344CB8AC3E}">
@@ -11320,7 +11285,7 @@
           <a:p>
             <a:r>
               <a:rPr lang="en-US" dirty="0" err="1"/>
-              <a:t>COntent</a:t>
+              <a:t>COntenU</a:t>
             </a:r>
             <a:endParaRPr lang="en-US" dirty="0"/>
           </a:p>
@@ -11372,7 +11337,7 @@
             <a:pPr algn="r"/>
             <a:r>
               <a:rPr lang="en-US"/>
-              <a:t>Scrum Artefacts</a:t>
+              <a:t>Scrum Artifacts</a:t>
             </a:r>
             <a:endParaRPr lang="en-US" sz="1800" dirty="0">
               <a:solidFill>
@@ -11711,64 +11676,6 @@
       </p:sp>
       <p:sp>
         <p:nvSpPr>
-          <p:cNvPr id="3" name="Date Placeholder 2">
-            <a:extLst>
-              <a:ext uri="{FF2B5EF4-FFF2-40B4-BE49-F238E27FC236}">
-                <a16:creationId xmlns:a16="http://schemas.microsoft.com/office/drawing/2014/main" id="{20B4B9D7-1898-416E-BC1D-DEBDB3EDC4E3}"/>
-              </a:ext>
-            </a:extLst>
-          </p:cNvPr>
-          <p:cNvSpPr>
-            <a:spLocks noGrp="1"/>
-          </p:cNvSpPr>
-          <p:nvPr>
-            <p:ph type="dt" sz="half" idx="10"/>
-          </p:nvPr>
-        </p:nvSpPr>
-        <p:spPr/>
-        <p:txBody>
-          <a:bodyPr/>
-          <a:lstStyle/>
-          <a:p>
-            <a:r>
-              <a:rPr lang="en-US"/>
-              <a:t>9/3/20XX</a:t>
-            </a:r>
-            <a:endParaRPr lang="en-US" dirty="0"/>
-          </a:p>
-        </p:txBody>
-      </p:sp>
-      <p:sp>
-        <p:nvSpPr>
-          <p:cNvPr id="4" name="Footer Placeholder 3">
-            <a:extLst>
-              <a:ext uri="{FF2B5EF4-FFF2-40B4-BE49-F238E27FC236}">
-                <a16:creationId xmlns:a16="http://schemas.microsoft.com/office/drawing/2014/main" id="{C8DBB1D7-3E47-4A6C-A915-8C30520CFCED}"/>
-              </a:ext>
-            </a:extLst>
-          </p:cNvPr>
-          <p:cNvSpPr>
-            <a:spLocks noGrp="1"/>
-          </p:cNvSpPr>
-          <p:nvPr>
-            <p:ph type="ftr" sz="quarter" idx="11"/>
-          </p:nvPr>
-        </p:nvSpPr>
-        <p:spPr/>
-        <p:txBody>
-          <a:bodyPr/>
-          <a:lstStyle/>
-          <a:p>
-            <a:r>
-              <a:rPr lang="en-US"/>
-              <a:t>Presentation Title</a:t>
-            </a:r>
-            <a:endParaRPr lang="en-US" dirty="0"/>
-          </a:p>
-        </p:txBody>
-      </p:sp>
-      <p:sp>
-        <p:nvSpPr>
           <p:cNvPr id="5" name="Slide Number Placeholder 4">
             <a:extLst>
               <a:ext uri="{FF2B5EF4-FFF2-40B4-BE49-F238E27FC236}">
@@ -11826,24 +11733,31 @@
           <a:chExt cx="0" cy="0"/>
         </a:xfrm>
       </p:grpSpPr>
-      <p:sp>
-        <p:nvSpPr>
-          <p:cNvPr id="2" name="Picture Placeholder 1">
-            <a:extLst>
-              <a:ext uri="{FF2B5EF4-FFF2-40B4-BE49-F238E27FC236}">
-                <a16:creationId xmlns:a16="http://schemas.microsoft.com/office/drawing/2014/main" id="{EC88D604-C596-483C-89BB-C7CCE96A17B6}"/>
-              </a:ext>
-            </a:extLst>
-          </p:cNvPr>
-          <p:cNvSpPr>
-            <a:spLocks noGrp="1"/>
-          </p:cNvSpPr>
+      <p:pic>
+        <p:nvPicPr>
+          <p:cNvPr id="9" name="Picture Placeholder 8" descr="A picture containing text, watch, gauge&#10;&#10;Description automatically generated">
+            <a:extLst>
+              <a:ext uri="{FF2B5EF4-FFF2-40B4-BE49-F238E27FC236}">
+                <a16:creationId xmlns:a16="http://schemas.microsoft.com/office/drawing/2014/main" id="{2EF3EA8F-1403-468D-85B9-2ADC13D89966}"/>
+              </a:ext>
+            </a:extLst>
+          </p:cNvPr>
+          <p:cNvPicPr>
+            <a:picLocks noGrp="1" noChangeAspect="1"/>
+          </p:cNvPicPr>
           <p:nvPr>
             <p:ph type="pic" sz="quarter" idx="13"/>
           </p:nvPr>
-        </p:nvSpPr>
+        </p:nvPicPr>
+        <p:blipFill>
+          <a:blip r:embed="rId2"/>
+          <a:srcRect/>
+          <a:stretch>
+            <a:fillRect/>
+          </a:stretch>
+        </p:blipFill>
         <p:spPr/>
-      </p:sp>
+      </p:pic>
       <p:sp>
         <p:nvSpPr>
           <p:cNvPr id="3" name="Title 2">
@@ -11867,7 +11781,7 @@
           <a:p>
             <a:r>
               <a:rPr lang="en-US" dirty="0"/>
-              <a:t>Scrum Artefacts</a:t>
+              <a:t>Scrum Artifacts</a:t>
             </a:r>
             <a:endParaRPr lang="en-CH" dirty="0"/>
           </a:p>
@@ -11894,65 +11808,23 @@
           <a:bodyPr/>
           <a:lstStyle/>
           <a:p>
-            <a:endParaRPr lang="en-CH"/>
-          </a:p>
-        </p:txBody>
-      </p:sp>
-      <p:sp>
-        <p:nvSpPr>
-          <p:cNvPr id="5" name="Date Placeholder 4">
-            <a:extLst>
-              <a:ext uri="{FF2B5EF4-FFF2-40B4-BE49-F238E27FC236}">
-                <a16:creationId xmlns:a16="http://schemas.microsoft.com/office/drawing/2014/main" id="{A3505D67-397C-407B-9A0B-F1FA8CF2ED43}"/>
-              </a:ext>
-            </a:extLst>
-          </p:cNvPr>
-          <p:cNvSpPr>
-            <a:spLocks noGrp="1"/>
-          </p:cNvSpPr>
-          <p:nvPr>
-            <p:ph type="dt" sz="half" idx="10"/>
-          </p:nvPr>
-        </p:nvSpPr>
-        <p:spPr/>
-        <p:txBody>
-          <a:bodyPr/>
-          <a:lstStyle/>
+            <a:r>
+              <a:rPr lang="en-US" dirty="0"/>
+              <a:t>Project Backlog</a:t>
+            </a:r>
+          </a:p>
+          <a:p>
+            <a:r>
+              <a:rPr lang="en-US" dirty="0"/>
+              <a:t>User Stories (with refinement)</a:t>
+            </a:r>
+          </a:p>
           <a:p>
             <a:r>
               <a:rPr lang="en-US"/>
-              <a:t>9/3/20XX</a:t>
-            </a:r>
-            <a:endParaRPr lang="en-US" dirty="0"/>
-          </a:p>
-        </p:txBody>
-      </p:sp>
-      <p:sp>
-        <p:nvSpPr>
-          <p:cNvPr id="6" name="Footer Placeholder 5">
-            <a:extLst>
-              <a:ext uri="{FF2B5EF4-FFF2-40B4-BE49-F238E27FC236}">
-                <a16:creationId xmlns:a16="http://schemas.microsoft.com/office/drawing/2014/main" id="{1573B5DB-53EB-4A58-94C3-B40BA912111A}"/>
-              </a:ext>
-            </a:extLst>
-          </p:cNvPr>
-          <p:cNvSpPr>
-            <a:spLocks noGrp="1"/>
-          </p:cNvSpPr>
-          <p:nvPr>
-            <p:ph type="ftr" sz="quarter" idx="11"/>
-          </p:nvPr>
-        </p:nvSpPr>
-        <p:spPr/>
-        <p:txBody>
-          <a:bodyPr/>
-          <a:lstStyle/>
-          <a:p>
-            <a:r>
-              <a:rPr lang="en-US"/>
-              <a:t>Presentation Title</a:t>
-            </a:r>
-            <a:endParaRPr lang="en-US" dirty="0"/>
+              <a:t>Component Diagram</a:t>
+            </a:r>
+            <a:endParaRPr lang="en-CH" dirty="0"/>
           </a:p>
         </p:txBody>
       </p:sp>

--- a/doku/Notre Projet.pptx
+++ b/doku/Notre Projet.pptx
@@ -11446,111 +11446,23 @@
             <p:ph type="title"/>
           </p:nvPr>
         </p:nvSpPr>
-        <p:spPr/>
-        <p:txBody>
-          <a:bodyPr/>
+        <p:spPr>
+          <a:xfrm>
+            <a:off x="645281" y="2839212"/>
+            <a:ext cx="6190488" cy="1179576"/>
+          </a:xfrm>
+        </p:spPr>
+        <p:txBody>
+          <a:bodyPr>
+            <a:normAutofit fontScale="90000"/>
+          </a:bodyPr>
           <a:lstStyle/>
           <a:p>
             <a:r>
               <a:rPr lang="en-US" sz="5400" dirty="0"/>
-              <a:t>Product Goal</a:t>
+              <a:t>Product Goal + DoD</a:t>
             </a:r>
             <a:endParaRPr lang="en-US" dirty="0"/>
-          </a:p>
-        </p:txBody>
-      </p:sp>
-      <p:sp>
-        <p:nvSpPr>
-          <p:cNvPr id="4" name="Content Placeholder 3">
-            <a:extLst>
-              <a:ext uri="{FF2B5EF4-FFF2-40B4-BE49-F238E27FC236}">
-                <a16:creationId xmlns:a16="http://schemas.microsoft.com/office/drawing/2014/main" id="{B0881FA9-F3B0-4912-B0E1-352094195C30}"/>
-              </a:ext>
-            </a:extLst>
-          </p:cNvPr>
-          <p:cNvSpPr>
-            <a:spLocks noGrp="1"/>
-          </p:cNvSpPr>
-          <p:nvPr>
-            <p:ph idx="1"/>
-          </p:nvPr>
-        </p:nvSpPr>
-        <p:spPr/>
-        <p:txBody>
-          <a:bodyPr/>
-          <a:lstStyle/>
-          <a:p>
-            <a:r>
-              <a:rPr lang="en-US" sz="2000" dirty="0"/>
-              <a:t>Our Goal was to create a Web Application, which allows you to Upload and thus share your (code) snippets. User management via Cookies and editing snippets are a must </a:t>
-            </a:r>
-            <a:r>
-              <a:rPr lang="en-US" sz="2000" dirty="0" err="1"/>
-              <a:t>aswell</a:t>
-            </a:r>
-            <a:r>
-              <a:rPr lang="en-US" sz="2000" dirty="0"/>
-              <a:t>.</a:t>
-            </a:r>
-          </a:p>
-          <a:p>
-            <a:endParaRPr lang="en-US" dirty="0"/>
-          </a:p>
-        </p:txBody>
-      </p:sp>
-      <p:sp>
-        <p:nvSpPr>
-          <p:cNvPr id="9" name="Date Placeholder 8">
-            <a:extLst>
-              <a:ext uri="{FF2B5EF4-FFF2-40B4-BE49-F238E27FC236}">
-                <a16:creationId xmlns:a16="http://schemas.microsoft.com/office/drawing/2014/main" id="{D45C472E-4078-40A0-83A2-652E8356EDCB}"/>
-              </a:ext>
-            </a:extLst>
-          </p:cNvPr>
-          <p:cNvSpPr>
-            <a:spLocks noGrp="1"/>
-          </p:cNvSpPr>
-          <p:nvPr>
-            <p:ph type="dt" sz="half" idx="10"/>
-          </p:nvPr>
-        </p:nvSpPr>
-        <p:spPr/>
-        <p:txBody>
-          <a:bodyPr/>
-          <a:lstStyle/>
-          <a:p>
-            <a:r>
-              <a:rPr lang="en-US" dirty="0"/>
-              <a:t>9/3/20XX</a:t>
-            </a:r>
-          </a:p>
-        </p:txBody>
-      </p:sp>
-      <p:sp>
-        <p:nvSpPr>
-          <p:cNvPr id="10" name="Footer Placeholder 9">
-            <a:extLst>
-              <a:ext uri="{FF2B5EF4-FFF2-40B4-BE49-F238E27FC236}">
-                <a16:creationId xmlns:a16="http://schemas.microsoft.com/office/drawing/2014/main" id="{A8C7C3A0-5E78-49C8-B8D4-F3DF62B2BC93}"/>
-              </a:ext>
-            </a:extLst>
-          </p:cNvPr>
-          <p:cNvSpPr>
-            <a:spLocks noGrp="1"/>
-          </p:cNvSpPr>
-          <p:nvPr>
-            <p:ph type="ftr" sz="quarter" idx="11"/>
-          </p:nvPr>
-        </p:nvSpPr>
-        <p:spPr/>
-        <p:txBody>
-          <a:bodyPr/>
-          <a:lstStyle/>
-          <a:p>
-            <a:r>
-              <a:rPr lang="en-US" dirty="0"/>
-              <a:t>Presentation Title</a:t>
-            </a:r>
           </a:p>
         </p:txBody>
       </p:sp>
@@ -12377,6 +12289,15 @@
 </file>
 
 <file path=customXml/item2.xml><?xml version="1.0" encoding="utf-8"?>
+<p:properties xmlns:p="http://schemas.microsoft.com/office/2006/metadata/properties" xmlns:xsi="http://www.w3.org/2001/XMLSchema-instance" xmlns:pc="http://schemas.microsoft.com/office/infopath/2007/PartnerControls">
+  <documentManagement>
+    <Status xmlns="71af3243-3dd4-4a8d-8c0d-dd76da1f02a5">Not started</Status>
+    <MediaServiceKeyPoints xmlns="71af3243-3dd4-4a8d-8c0d-dd76da1f02a5" xsi:nil="true"/>
+  </documentManagement>
+</p:properties>
+</file>
+
+<file path=customXml/item3.xml><?xml version="1.0" encoding="utf-8"?>
 <ct:contentTypeSchema xmlns:ct="http://schemas.microsoft.com/office/2006/metadata/contentType" xmlns:ma="http://schemas.microsoft.com/office/2006/metadata/properties/metaAttributes" ct:_="" ma:_="" ma:contentTypeName="Document" ma:contentTypeID="0x01010079F111ED35F8CC479449609E8A0923A6" ma:contentTypeVersion="12" ma:contentTypeDescription="Create a new document." ma:contentTypeScope="" ma:versionID="426e97fa315356fffbdcd9876fe988c2">
   <xsd:schema xmlns:xsd="http://www.w3.org/2001/XMLSchema" xmlns:xs="http://www.w3.org/2001/XMLSchema" xmlns:p="http://schemas.microsoft.com/office/2006/metadata/properties" xmlns:ns2="71af3243-3dd4-4a8d-8c0d-dd76da1f02a5" xmlns:ns3="16c05727-aa75-4e4a-9b5f-8a80a1165891" targetNamespace="http://schemas.microsoft.com/office/2006/metadata/properties" ma:root="true" ma:fieldsID="14b8f0def80e6d70ce3def20c90759ae" ns2:_="" ns3:_="">
     <xsd:import namespace="71af3243-3dd4-4a8d-8c0d-dd76da1f02a5"/>
@@ -12597,15 +12518,6 @@
 </ct:contentTypeSchema>
 </file>
 
-<file path=customXml/item3.xml><?xml version="1.0" encoding="utf-8"?>
-<p:properties xmlns:p="http://schemas.microsoft.com/office/2006/metadata/properties" xmlns:xsi="http://www.w3.org/2001/XMLSchema-instance" xmlns:pc="http://schemas.microsoft.com/office/infopath/2007/PartnerControls">
-  <documentManagement>
-    <Status xmlns="71af3243-3dd4-4a8d-8c0d-dd76da1f02a5">Not started</Status>
-    <MediaServiceKeyPoints xmlns="71af3243-3dd4-4a8d-8c0d-dd76da1f02a5" xsi:nil="true"/>
-  </documentManagement>
-</p:properties>
-</file>
-
 <file path=customXml/itemProps1.xml><?xml version="1.0" encoding="utf-8"?>
 <ds:datastoreItem xmlns:ds="http://schemas.openxmlformats.org/officeDocument/2006/customXml" ds:itemID="{3C8E00D1-8EA3-4E42-801D-0253E1EAFC21}">
   <ds:schemaRefs>
@@ -12615,6 +12527,16 @@
 </file>
 
 <file path=customXml/itemProps2.xml><?xml version="1.0" encoding="utf-8"?>
+<ds:datastoreItem xmlns:ds="http://schemas.openxmlformats.org/officeDocument/2006/customXml" ds:itemID="{99919F73-B6C2-4A43-95E2-833EC48925FE}">
+  <ds:schemaRefs>
+    <ds:schemaRef ds:uri="http://schemas.microsoft.com/office/2006/metadata/properties"/>
+    <ds:schemaRef ds:uri="http://schemas.microsoft.com/office/infopath/2007/PartnerControls"/>
+    <ds:schemaRef ds:uri="71af3243-3dd4-4a8d-8c0d-dd76da1f02a5"/>
+  </ds:schemaRefs>
+</ds:datastoreItem>
+</file>
+
+<file path=customXml/itemProps3.xml><?xml version="1.0" encoding="utf-8"?>
 <ds:datastoreItem xmlns:ds="http://schemas.openxmlformats.org/officeDocument/2006/customXml" ds:itemID="{ABC329F5-30EE-4BF7-AA2A-B837B51416B4}">
   <ds:schemaRefs>
     <ds:schemaRef ds:uri="http://schemas.microsoft.com/office/2006/metadata/contentType"/>
@@ -12631,14 +12553,4 @@
     <ds:schemaRef ds:uri="http://schemas.microsoft.com/internal/obd"/>
   </ds:schemaRefs>
 </ds:datastoreItem>
-</file>
-
-<file path=customXml/itemProps3.xml><?xml version="1.0" encoding="utf-8"?>
-<ds:datastoreItem xmlns:ds="http://schemas.openxmlformats.org/officeDocument/2006/customXml" ds:itemID="{99919F73-B6C2-4A43-95E2-833EC48925FE}">
-  <ds:schemaRefs>
-    <ds:schemaRef ds:uri="http://schemas.microsoft.com/office/2006/metadata/properties"/>
-    <ds:schemaRef ds:uri="http://schemas.microsoft.com/office/infopath/2007/PartnerControls"/>
-    <ds:schemaRef ds:uri="71af3243-3dd4-4a8d-8c0d-dd76da1f02a5"/>
-  </ds:schemaRefs>
-</ds:datastoreItem>
 </file>
--- a/doku/Notre Projet.pptx
+++ b/doku/Notre Projet.pptx
@@ -11336,8 +11336,8 @@
           <a:p>
             <a:pPr algn="r"/>
             <a:r>
-              <a:rPr lang="en-US"/>
-              <a:t>Scrum Artifacts</a:t>
+              <a:rPr lang="en-US" dirty="0"/>
+              <a:t>Scrum Artefacts</a:t>
             </a:r>
             <a:endParaRPr lang="en-US" sz="1800" dirty="0">
               <a:solidFill>
@@ -11448,7 +11448,7 @@
         </p:nvSpPr>
         <p:spPr>
           <a:xfrm>
-            <a:off x="645281" y="2839212"/>
+            <a:off x="678837" y="2017091"/>
             <a:ext cx="6190488" cy="1179576"/>
           </a:xfrm>
         </p:spPr>
@@ -11460,7 +11460,7 @@
           <a:p>
             <a:r>
               <a:rPr lang="en-US" sz="5400" dirty="0"/>
-              <a:t>Product Goal + DoD</a:t>
+              <a:t>Project Description</a:t>
             </a:r>
             <a:endParaRPr lang="en-US" dirty="0"/>
           </a:p>
@@ -11513,7 +11513,7 @@
           </p:nvPr>
         </p:nvPicPr>
         <p:blipFill>
-          <a:blip r:embed="rId2"/>
+          <a:blip r:embed="rId3"/>
           <a:srcRect/>
           <a:stretch>
             <a:fillRect/>
@@ -11521,6 +11521,69 @@
         </p:blipFill>
         <p:spPr/>
       </p:pic>
+      <p:graphicFrame>
+        <p:nvGraphicFramePr>
+          <p:cNvPr id="4" name="Object 3">
+            <a:extLst>
+              <a:ext uri="{FF2B5EF4-FFF2-40B4-BE49-F238E27FC236}">
+                <a16:creationId xmlns:a16="http://schemas.microsoft.com/office/drawing/2014/main" id="{962ACAD4-61EE-4CD8-8925-60B431091267}"/>
+              </a:ext>
+            </a:extLst>
+          </p:cNvPr>
+          <p:cNvGraphicFramePr>
+            <a:graphicFrameLocks noChangeAspect="1"/>
+          </p:cNvGraphicFramePr>
+          <p:nvPr>
+            <p:extLst>
+              <p:ext uri="{D42A27DB-BD31-4B8C-83A1-F6EECF244321}">
+                <p14:modId xmlns:p14="http://schemas.microsoft.com/office/powerpoint/2010/main" val="1460332377"/>
+              </p:ext>
+            </p:extLst>
+          </p:nvPr>
+        </p:nvGraphicFramePr>
+        <p:xfrm>
+          <a:off x="2352675" y="3429000"/>
+          <a:ext cx="3055314" cy="1116013"/>
+        </p:xfrm>
+        <a:graphic>
+          <a:graphicData uri="http://schemas.openxmlformats.org/presentationml/2006/ole">
+            <mc:AlternateContent xmlns:mc="http://schemas.openxmlformats.org/markup-compatibility/2006">
+              <mc:Choice xmlns:v="urn:schemas-microsoft-com:vml" Requires="v">
+                <p:oleObj spid="_x0000_s1026" name="Packager Shell Object" showAsIcon="1" r:id="rId4" imgW="1060200" imgH="387000" progId="Package">
+                  <p:embed/>
+                </p:oleObj>
+              </mc:Choice>
+              <mc:Fallback>
+                <p:oleObj name="Packager Shell Object" showAsIcon="1" r:id="rId4" imgW="1060200" imgH="387000" progId="Package">
+                  <p:embed/>
+                  <p:pic>
+                    <p:nvPicPr>
+                      <p:cNvPr id="0" name=""/>
+                      <p:cNvPicPr/>
+                      <p:nvPr/>
+                    </p:nvPicPr>
+                    <p:blipFill>
+                      <a:blip r:embed="rId5"/>
+                      <a:stretch>
+                        <a:fillRect/>
+                      </a:stretch>
+                    </p:blipFill>
+                    <p:spPr>
+                      <a:xfrm>
+                        <a:off x="2352675" y="3429000"/>
+                        <a:ext cx="3055314" cy="1116013"/>
+                      </a:xfrm>
+                      <a:prstGeom prst="rect">
+                        <a:avLst/>
+                      </a:prstGeom>
+                    </p:spPr>
+                  </p:pic>
+                </p:oleObj>
+              </mc:Fallback>
+            </mc:AlternateContent>
+          </a:graphicData>
+        </a:graphic>
+      </p:graphicFrame>
     </p:spTree>
     <p:extLst>
       <p:ext uri="{BB962C8B-B14F-4D97-AF65-F5344CB8AC3E}">
@@ -11662,7 +11725,7 @@
           </p:nvPr>
         </p:nvPicPr>
         <p:blipFill>
-          <a:blip r:embed="rId2"/>
+          <a:blip r:embed="rId3"/>
           <a:srcRect/>
           <a:stretch>
             <a:fillRect/>
@@ -11693,7 +11756,7 @@
           <a:p>
             <a:r>
               <a:rPr lang="en-US" dirty="0"/>
-              <a:t>Scrum Artifacts</a:t>
+              <a:t>Scrum Artefacts</a:t>
             </a:r>
             <a:endParaRPr lang="en-CH" dirty="0"/>
           </a:p>
@@ -11721,9 +11784,12 @@
           <a:lstStyle/>
           <a:p>
             <a:r>
-              <a:rPr lang="en-US" dirty="0"/>
+              <a:rPr lang="en-US" dirty="0">
+                <a:hlinkClick r:id="rId4"/>
+              </a:rPr>
               <a:t>Project Backlog</a:t>
             </a:r>
+            <a:endParaRPr lang="en-US" dirty="0"/>
           </a:p>
           <a:p>
             <a:r>
@@ -11733,10 +11799,15 @@
           </a:p>
           <a:p>
             <a:r>
-              <a:rPr lang="en-US"/>
+              <a:rPr lang="en-US" dirty="0"/>
               <a:t>Component Diagram</a:t>
             </a:r>
-            <a:endParaRPr lang="en-CH" dirty="0"/>
+          </a:p>
+          <a:p>
+            <a:r>
+              <a:rPr lang="en-US" dirty="0"/>
+              <a:t>Product Goal + DoD</a:t>
+            </a:r>
           </a:p>
         </p:txBody>
       </p:sp>
@@ -11770,6 +11841,201 @@
           </a:p>
         </p:txBody>
       </p:sp>
+      <p:graphicFrame>
+        <p:nvGraphicFramePr>
+          <p:cNvPr id="2" name="Object 1">
+            <a:extLst>
+              <a:ext uri="{FF2B5EF4-FFF2-40B4-BE49-F238E27FC236}">
+                <a16:creationId xmlns:a16="http://schemas.microsoft.com/office/drawing/2014/main" id="{828C82EF-0A93-4E36-85E5-422421EA771C}"/>
+              </a:ext>
+            </a:extLst>
+          </p:cNvPr>
+          <p:cNvGraphicFramePr>
+            <a:graphicFrameLocks noChangeAspect="1"/>
+          </p:cNvGraphicFramePr>
+          <p:nvPr>
+            <p:extLst>
+              <p:ext uri="{D42A27DB-BD31-4B8C-83A1-F6EECF244321}">
+                <p14:modId xmlns:p14="http://schemas.microsoft.com/office/powerpoint/2010/main" val="3445041622"/>
+              </p:ext>
+            </p:extLst>
+          </p:nvPr>
+        </p:nvGraphicFramePr>
+        <p:xfrm>
+          <a:off x="4881592" y="3312923"/>
+          <a:ext cx="809625" cy="387350"/>
+        </p:xfrm>
+        <a:graphic>
+          <a:graphicData uri="http://schemas.openxmlformats.org/presentationml/2006/ole">
+            <mc:AlternateContent xmlns:mc="http://schemas.openxmlformats.org/markup-compatibility/2006">
+              <mc:Choice xmlns:v="urn:schemas-microsoft-com:vml" Requires="v">
+                <p:oleObj spid="_x0000_s2050" name="Packager Shell Object" showAsIcon="1" r:id="rId5" imgW="809280" imgH="387000" progId="Package">
+                  <p:embed/>
+                </p:oleObj>
+              </mc:Choice>
+              <mc:Fallback>
+                <p:oleObj name="Packager Shell Object" showAsIcon="1" r:id="rId5" imgW="809280" imgH="387000" progId="Package">
+                  <p:embed/>
+                  <p:pic>
+                    <p:nvPicPr>
+                      <p:cNvPr id="0" name=""/>
+                      <p:cNvPicPr/>
+                      <p:nvPr/>
+                    </p:nvPicPr>
+                    <p:blipFill>
+                      <a:blip r:embed="rId6"/>
+                      <a:stretch>
+                        <a:fillRect/>
+                      </a:stretch>
+                    </p:blipFill>
+                    <p:spPr>
+                      <a:xfrm>
+                        <a:off x="4881592" y="3312923"/>
+                        <a:ext cx="809625" cy="387350"/>
+                      </a:xfrm>
+                      <a:prstGeom prst="rect">
+                        <a:avLst/>
+                      </a:prstGeom>
+                    </p:spPr>
+                  </p:pic>
+                </p:oleObj>
+              </mc:Fallback>
+            </mc:AlternateContent>
+          </a:graphicData>
+        </a:graphic>
+      </p:graphicFrame>
+      <p:graphicFrame>
+        <p:nvGraphicFramePr>
+          <p:cNvPr id="5" name="Object 4">
+            <a:extLst>
+              <a:ext uri="{FF2B5EF4-FFF2-40B4-BE49-F238E27FC236}">
+                <a16:creationId xmlns:a16="http://schemas.microsoft.com/office/drawing/2014/main" id="{4C135D3E-863A-4A4F-B9D3-D070616EC59F}"/>
+              </a:ext>
+            </a:extLst>
+          </p:cNvPr>
+          <p:cNvGraphicFramePr>
+            <a:graphicFrameLocks noChangeAspect="1"/>
+          </p:cNvGraphicFramePr>
+          <p:nvPr>
+            <p:extLst>
+              <p:ext uri="{D42A27DB-BD31-4B8C-83A1-F6EECF244321}">
+                <p14:modId xmlns:p14="http://schemas.microsoft.com/office/powerpoint/2010/main" val="3459955266"/>
+              </p:ext>
+            </p:extLst>
+          </p:nvPr>
+        </p:nvGraphicFramePr>
+        <p:xfrm>
+          <a:off x="4068763" y="3909619"/>
+          <a:ext cx="1331912" cy="387350"/>
+        </p:xfrm>
+        <a:graphic>
+          <a:graphicData uri="http://schemas.openxmlformats.org/presentationml/2006/ole">
+            <mc:AlternateContent xmlns:mc="http://schemas.openxmlformats.org/markup-compatibility/2006">
+              <mc:Choice xmlns:v="urn:schemas-microsoft-com:vml" Requires="v">
+                <p:oleObj spid="_x0000_s2051" name="Packager Shell Object" showAsIcon="1" r:id="rId7" imgW="1332360" imgH="387000" progId="Package">
+                  <p:embed/>
+                </p:oleObj>
+              </mc:Choice>
+              <mc:Fallback>
+                <p:oleObj name="Packager Shell Object" showAsIcon="1" r:id="rId7" imgW="1332360" imgH="387000" progId="Package">
+                  <p:embed/>
+                  <p:pic>
+                    <p:nvPicPr>
+                      <p:cNvPr id="0" name=""/>
+                      <p:cNvPicPr/>
+                      <p:nvPr/>
+                    </p:nvPicPr>
+                    <p:blipFill>
+                      <a:blip r:embed="rId8"/>
+                      <a:stretch>
+                        <a:fillRect/>
+                      </a:stretch>
+                    </p:blipFill>
+                    <p:spPr>
+                      <a:xfrm>
+                        <a:off x="4068763" y="3909619"/>
+                        <a:ext cx="1331912" cy="387350"/>
+                      </a:xfrm>
+                      <a:prstGeom prst="rect">
+                        <a:avLst/>
+                      </a:prstGeom>
+                    </p:spPr>
+                  </p:pic>
+                </p:oleObj>
+              </mc:Fallback>
+            </mc:AlternateContent>
+          </a:graphicData>
+        </a:graphic>
+      </p:graphicFrame>
+      <p:graphicFrame>
+        <p:nvGraphicFramePr>
+          <p:cNvPr id="8" name="Object 7">
+            <a:extLst>
+              <a:ext uri="{FF2B5EF4-FFF2-40B4-BE49-F238E27FC236}">
+                <a16:creationId xmlns:a16="http://schemas.microsoft.com/office/drawing/2014/main" id="{6543B987-D389-46D7-B5FA-DD01C2B7CD00}"/>
+              </a:ext>
+            </a:extLst>
+          </p:cNvPr>
+          <p:cNvGraphicFramePr>
+            <a:graphicFrameLocks noChangeAspect="1"/>
+          </p:cNvGraphicFramePr>
+          <p:nvPr>
+            <p:extLst>
+              <p:ext uri="{D42A27DB-BD31-4B8C-83A1-F6EECF244321}">
+                <p14:modId xmlns:p14="http://schemas.microsoft.com/office/powerpoint/2010/main" val="1717382260"/>
+              </p:ext>
+            </p:extLst>
+          </p:nvPr>
+        </p:nvGraphicFramePr>
+        <p:xfrm>
+          <a:off x="3928057" y="4299810"/>
+          <a:ext cx="1427611" cy="424284"/>
+        </p:xfrm>
+        <a:graphic>
+          <a:graphicData uri="http://schemas.openxmlformats.org/presentationml/2006/ole">
+            <mc:AlternateContent xmlns:mc="http://schemas.openxmlformats.org/markup-compatibility/2006">
+              <mc:Choice xmlns:v="urn:schemas-microsoft-com:vml" Requires="v">
+                <p:oleObj spid="_x0000_s2052" name="Packager Shell Object" showAsIcon="1" r:id="rId9" imgW="1303560" imgH="387000" progId="Package">
+                  <p:embed/>
+                </p:oleObj>
+              </mc:Choice>
+              <mc:Fallback>
+                <p:oleObj name="Packager Shell Object" showAsIcon="1" r:id="rId9" imgW="1303560" imgH="387000" progId="Package">
+                  <p:embed/>
+                  <p:pic>
+                    <p:nvPicPr>
+                      <p:cNvPr id="2" name="Object 1">
+                        <a:extLst>
+                          <a:ext uri="{FF2B5EF4-FFF2-40B4-BE49-F238E27FC236}">
+                            <a16:creationId xmlns:a16="http://schemas.microsoft.com/office/drawing/2014/main" id="{A134250F-44B7-4071-8560-09F361543064}"/>
+                          </a:ext>
+                        </a:extLst>
+                      </p:cNvPr>
+                      <p:cNvPicPr/>
+                      <p:nvPr/>
+                    </p:nvPicPr>
+                    <p:blipFill>
+                      <a:blip r:embed="rId10"/>
+                      <a:stretch>
+                        <a:fillRect/>
+                      </a:stretch>
+                    </p:blipFill>
+                    <p:spPr>
+                      <a:xfrm>
+                        <a:off x="3928057" y="4299810"/>
+                        <a:ext cx="1427611" cy="424284"/>
+                      </a:xfrm>
+                      <a:prstGeom prst="rect">
+                        <a:avLst/>
+                      </a:prstGeom>
+                    </p:spPr>
+                  </p:pic>
+                </p:oleObj>
+              </mc:Fallback>
+            </mc:AlternateContent>
+          </a:graphicData>
+        </a:graphic>
+      </p:graphicFrame>
     </p:spTree>
     <p:extLst>
       <p:ext uri="{BB962C8B-B14F-4D97-AF65-F5344CB8AC3E}">
@@ -12289,15 +12555,6 @@
 </file>
 
 <file path=customXml/item2.xml><?xml version="1.0" encoding="utf-8"?>
-<p:properties xmlns:p="http://schemas.microsoft.com/office/2006/metadata/properties" xmlns:xsi="http://www.w3.org/2001/XMLSchema-instance" xmlns:pc="http://schemas.microsoft.com/office/infopath/2007/PartnerControls">
-  <documentManagement>
-    <Status xmlns="71af3243-3dd4-4a8d-8c0d-dd76da1f02a5">Not started</Status>
-    <MediaServiceKeyPoints xmlns="71af3243-3dd4-4a8d-8c0d-dd76da1f02a5" xsi:nil="true"/>
-  </documentManagement>
-</p:properties>
-</file>
-
-<file path=customXml/item3.xml><?xml version="1.0" encoding="utf-8"?>
 <ct:contentTypeSchema xmlns:ct="http://schemas.microsoft.com/office/2006/metadata/contentType" xmlns:ma="http://schemas.microsoft.com/office/2006/metadata/properties/metaAttributes" ct:_="" ma:_="" ma:contentTypeName="Document" ma:contentTypeID="0x01010079F111ED35F8CC479449609E8A0923A6" ma:contentTypeVersion="12" ma:contentTypeDescription="Create a new document." ma:contentTypeScope="" ma:versionID="426e97fa315356fffbdcd9876fe988c2">
   <xsd:schema xmlns:xsd="http://www.w3.org/2001/XMLSchema" xmlns:xs="http://www.w3.org/2001/XMLSchema" xmlns:p="http://schemas.microsoft.com/office/2006/metadata/properties" xmlns:ns2="71af3243-3dd4-4a8d-8c0d-dd76da1f02a5" xmlns:ns3="16c05727-aa75-4e4a-9b5f-8a80a1165891" targetNamespace="http://schemas.microsoft.com/office/2006/metadata/properties" ma:root="true" ma:fieldsID="14b8f0def80e6d70ce3def20c90759ae" ns2:_="" ns3:_="">
     <xsd:import namespace="71af3243-3dd4-4a8d-8c0d-dd76da1f02a5"/>
@@ -12518,6 +12775,15 @@
 </ct:contentTypeSchema>
 </file>
 
+<file path=customXml/item3.xml><?xml version="1.0" encoding="utf-8"?>
+<p:properties xmlns:p="http://schemas.microsoft.com/office/2006/metadata/properties" xmlns:xsi="http://www.w3.org/2001/XMLSchema-instance" xmlns:pc="http://schemas.microsoft.com/office/infopath/2007/PartnerControls">
+  <documentManagement>
+    <Status xmlns="71af3243-3dd4-4a8d-8c0d-dd76da1f02a5">Not started</Status>
+    <MediaServiceKeyPoints xmlns="71af3243-3dd4-4a8d-8c0d-dd76da1f02a5" xsi:nil="true"/>
+  </documentManagement>
+</p:properties>
+</file>
+
 <file path=customXml/itemProps1.xml><?xml version="1.0" encoding="utf-8"?>
 <ds:datastoreItem xmlns:ds="http://schemas.openxmlformats.org/officeDocument/2006/customXml" ds:itemID="{3C8E00D1-8EA3-4E42-801D-0253E1EAFC21}">
   <ds:schemaRefs>
@@ -12527,16 +12793,6 @@
 </file>
 
 <file path=customXml/itemProps2.xml><?xml version="1.0" encoding="utf-8"?>
-<ds:datastoreItem xmlns:ds="http://schemas.openxmlformats.org/officeDocument/2006/customXml" ds:itemID="{99919F73-B6C2-4A43-95E2-833EC48925FE}">
-  <ds:schemaRefs>
-    <ds:schemaRef ds:uri="http://schemas.microsoft.com/office/2006/metadata/properties"/>
-    <ds:schemaRef ds:uri="http://schemas.microsoft.com/office/infopath/2007/PartnerControls"/>
-    <ds:schemaRef ds:uri="71af3243-3dd4-4a8d-8c0d-dd76da1f02a5"/>
-  </ds:schemaRefs>
-</ds:datastoreItem>
-</file>
-
-<file path=customXml/itemProps3.xml><?xml version="1.0" encoding="utf-8"?>
 <ds:datastoreItem xmlns:ds="http://schemas.openxmlformats.org/officeDocument/2006/customXml" ds:itemID="{ABC329F5-30EE-4BF7-AA2A-B837B51416B4}">
   <ds:schemaRefs>
     <ds:schemaRef ds:uri="http://schemas.microsoft.com/office/2006/metadata/contentType"/>
@@ -12553,4 +12809,14 @@
     <ds:schemaRef ds:uri="http://schemas.microsoft.com/internal/obd"/>
   </ds:schemaRefs>
 </ds:datastoreItem>
+</file>
+
+<file path=customXml/itemProps3.xml><?xml version="1.0" encoding="utf-8"?>
+<ds:datastoreItem xmlns:ds="http://schemas.openxmlformats.org/officeDocument/2006/customXml" ds:itemID="{99919F73-B6C2-4A43-95E2-833EC48925FE}">
+  <ds:schemaRefs>
+    <ds:schemaRef ds:uri="http://schemas.microsoft.com/office/2006/metadata/properties"/>
+    <ds:schemaRef ds:uri="http://schemas.microsoft.com/office/infopath/2007/PartnerControls"/>
+    <ds:schemaRef ds:uri="71af3243-3dd4-4a8d-8c0d-dd76da1f02a5"/>
+  </ds:schemaRefs>
+</ds:datastoreItem>
 </file>
--- a/doku/Notre Projet.pptx
+++ b/doku/Notre Projet.pptx
@@ -11,8 +11,8 @@
     <p:sldId id="306" r:id="rId5"/>
     <p:sldId id="307" r:id="rId6"/>
     <p:sldId id="308" r:id="rId7"/>
-    <p:sldId id="309" r:id="rId8"/>
-    <p:sldId id="310" r:id="rId9"/>
+    <p:sldId id="310" r:id="rId8"/>
+    <p:sldId id="309" r:id="rId9"/>
   </p:sldIdLst>
   <p:sldSz cx="12192000" cy="6858000"/>
   <p:notesSz cx="6858000" cy="9144000"/>
@@ -11177,6 +11177,14 @@
 <file path=ppt/slides/slide1.xml><?xml version="1.0" encoding="utf-8"?>
 <p:sld xmlns:a="http://schemas.openxmlformats.org/drawingml/2006/main" xmlns:r="http://schemas.openxmlformats.org/officeDocument/2006/relationships" xmlns:p="http://schemas.openxmlformats.org/presentationml/2006/main">
   <p:cSld>
+    <p:bg>
+      <p:bgPr>
+        <a:solidFill>
+          <a:schemeClr val="bg1"/>
+        </a:solidFill>
+        <a:effectLst/>
+      </p:bgPr>
+    </p:bg>
     <p:spTree>
       <p:nvGrpSpPr>
         <p:cNvPr id="1" name=""/>
@@ -11191,47 +11199,169 @@
           <a:chExt cx="0" cy="0"/>
         </a:xfrm>
       </p:grpSpPr>
-      <p:sp>
-        <p:nvSpPr>
-          <p:cNvPr id="2" name="Title 1">
-            <a:extLst>
-              <a:ext uri="{FF2B5EF4-FFF2-40B4-BE49-F238E27FC236}">
-                <a16:creationId xmlns:a16="http://schemas.microsoft.com/office/drawing/2014/main" id="{C3A9968B-2619-4F71-AB00-4C493E120805}"/>
+      <p:cxnSp>
+        <p:nvCxnSpPr>
+          <p:cNvPr id="33" name="Straight Connector 22">
+            <a:extLst>
+              <a:ext uri="{FF2B5EF4-FFF2-40B4-BE49-F238E27FC236}">
+                <a16:creationId xmlns:a16="http://schemas.microsoft.com/office/drawing/2014/main" id="{353C1207-D1C8-49E3-8837-E2B89D366FAE}"/>
+              </a:ext>
+              <a:ext uri="{C183D7F6-B498-43B3-948B-1728B52AA6E4}">
+                <adec:decorative xmlns:adec="http://schemas.microsoft.com/office/drawing/2017/decorative" val="1"/>
+              </a:ext>
+            </a:extLst>
+          </p:cNvPr>
+          <p:cNvCxnSpPr>
+            <a:cxnSpLocks noGrp="1" noRot="1" noChangeAspect="1" noMove="1" noResize="1" noEditPoints="1" noAdjustHandles="1" noChangeArrowheads="1" noChangeShapeType="1"/>
+          </p:cNvCxnSpPr>
+          <p:nvPr>
+            <p:extLst>
+              <p:ext uri="{386F3935-93C4-4BCD-93E2-E3B085C9AB24}">
+                <p16:designElem xmlns:p16="http://schemas.microsoft.com/office/powerpoint/2015/main" val="1"/>
+              </p:ext>
+            </p:extLst>
+          </p:nvPr>
+        </p:nvCxnSpPr>
+        <p:spPr>
+          <a:xfrm>
+            <a:off x="715890" y="356812"/>
+            <a:ext cx="0" cy="6492875"/>
+          </a:xfrm>
+          <a:prstGeom prst="line">
+            <a:avLst/>
+          </a:prstGeom>
+          <a:ln w="25400" cap="sq">
+            <a:gradFill flip="none" rotWithShape="1">
+              <a:gsLst>
+                <a:gs pos="0">
+                  <a:schemeClr val="accent2"/>
+                </a:gs>
+                <a:gs pos="100000">
+                  <a:schemeClr val="accent4"/>
+                </a:gs>
+              </a:gsLst>
+              <a:lin ang="16200000" scaled="1"/>
+              <a:tileRect/>
+            </a:gradFill>
+            <a:bevel/>
+          </a:ln>
+        </p:spPr>
+        <p:style>
+          <a:lnRef idx="1">
+            <a:schemeClr val="accent1"/>
+          </a:lnRef>
+          <a:fillRef idx="0">
+            <a:schemeClr val="accent1"/>
+          </a:fillRef>
+          <a:effectRef idx="0">
+            <a:schemeClr val="accent1"/>
+          </a:effectRef>
+          <a:fontRef idx="minor">
+            <a:schemeClr val="tx1"/>
+          </a:fontRef>
+        </p:style>
+      </p:cxnSp>
+      <p:sp>
+        <p:nvSpPr>
+          <p:cNvPr id="34" name="Rectangle 24">
+            <a:extLst>
+              <a:ext uri="{FF2B5EF4-FFF2-40B4-BE49-F238E27FC236}">
+                <a16:creationId xmlns:a16="http://schemas.microsoft.com/office/drawing/2014/main" id="{16B067B1-F4E5-4FDF-813D-C9E872E80075}"/>
+              </a:ext>
+              <a:ext uri="{C183D7F6-B498-43B3-948B-1728B52AA6E4}">
+                <adec:decorative xmlns:adec="http://schemas.microsoft.com/office/drawing/2017/decorative" val="1"/>
               </a:ext>
             </a:extLst>
           </p:cNvPr>
           <p:cNvSpPr>
-            <a:spLocks noGrp="1"/>
+            <a:spLocks noGrp="1" noRot="1" noChangeAspect="1" noMove="1" noResize="1" noEditPoints="1" noAdjustHandles="1" noChangeArrowheads="1" noChangeShapeType="1" noTextEdit="1"/>
           </p:cNvSpPr>
           <p:nvPr>
-            <p:ph type="ctrTitle"/>
+            <p:extLst>
+              <p:ext uri="{386F3935-93C4-4BCD-93E2-E3B085C9AB24}">
+                <p16:designElem xmlns:p16="http://schemas.microsoft.com/office/powerpoint/2015/main" val="1"/>
+              </p:ext>
+            </p:extLst>
           </p:nvPr>
         </p:nvSpPr>
-        <p:spPr/>
-        <p:txBody>
-          <a:bodyPr/>
+        <p:spPr>
+          <a:xfrm>
+            <a:off x="0" y="0"/>
+            <a:ext cx="12192000" cy="6858000"/>
+          </a:xfrm>
+          <a:prstGeom prst="rect">
+            <a:avLst/>
+          </a:prstGeom>
+          <a:gradFill flip="none" rotWithShape="1">
+            <a:gsLst>
+              <a:gs pos="100000">
+                <a:schemeClr val="accent4"/>
+              </a:gs>
+              <a:gs pos="0">
+                <a:schemeClr val="accent2"/>
+              </a:gs>
+            </a:gsLst>
+            <a:lin ang="2700000" scaled="1"/>
+            <a:tileRect/>
+          </a:gradFill>
+          <a:ln>
+            <a:noFill/>
+          </a:ln>
+        </p:spPr>
+        <p:style>
+          <a:lnRef idx="2">
+            <a:schemeClr val="accent1">
+              <a:shade val="50000"/>
+            </a:schemeClr>
+          </a:lnRef>
+          <a:fillRef idx="1">
+            <a:schemeClr val="accent1"/>
+          </a:fillRef>
+          <a:effectRef idx="0">
+            <a:schemeClr val="accent1"/>
+          </a:effectRef>
+          <a:fontRef idx="minor">
+            <a:schemeClr val="lt1"/>
+          </a:fontRef>
+        </p:style>
+        <p:txBody>
+          <a:bodyPr rtlCol="0" anchor="ctr"/>
           <a:lstStyle/>
           <a:p>
-            <a:r>
-              <a:rPr lang="en-US" sz="5400" spc="400" dirty="0">
-                <a:solidFill>
-                  <a:schemeClr val="bg1"/>
-                </a:solidFill>
-              </a:rPr>
-              <a:t>Notre </a:t>
-            </a:r>
-            <a:r>
-              <a:rPr lang="en-US" sz="5400" spc="400" dirty="0" err="1">
-                <a:solidFill>
-                  <a:schemeClr val="bg1"/>
-                </a:solidFill>
-              </a:rPr>
-              <a:t>Projet</a:t>
-            </a:r>
-            <a:endParaRPr lang="en-US" dirty="0"/>
-          </a:p>
-        </p:txBody>
-      </p:sp>
+            <a:pPr algn="ctr"/>
+            <a:endParaRPr lang="en-US"/>
+          </a:p>
+        </p:txBody>
+      </p:sp>
+      <p:pic>
+        <p:nvPicPr>
+          <p:cNvPr id="14" name="Picture 13" descr="A picture containing text, watch, gauge&#10;&#10;Description automatically generated">
+            <a:extLst>
+              <a:ext uri="{FF2B5EF4-FFF2-40B4-BE49-F238E27FC236}">
+                <a16:creationId xmlns:a16="http://schemas.microsoft.com/office/drawing/2014/main" id="{F05EC1E2-344A-46D1-9A4C-95492723974D}"/>
+              </a:ext>
+            </a:extLst>
+          </p:cNvPr>
+          <p:cNvPicPr>
+            <a:picLocks noChangeAspect="1"/>
+          </p:cNvPicPr>
+          <p:nvPr/>
+        </p:nvPicPr>
+        <p:blipFill rotWithShape="1">
+          <a:blip r:embed="rId2"/>
+          <a:srcRect t="27222" b="16978"/>
+          <a:stretch/>
+        </p:blipFill>
+        <p:spPr>
+          <a:xfrm>
+            <a:off x="277989" y="182562"/>
+            <a:ext cx="11636021" cy="6492875"/>
+          </a:xfrm>
+          <a:prstGeom prst="rect">
+            <a:avLst/>
+          </a:prstGeom>
+        </p:spPr>
+      </p:pic>
     </p:spTree>
     <p:extLst>
       <p:ext uri="{BB962C8B-B14F-4D97-AF65-F5344CB8AC3E}">
@@ -11284,10 +11414,9 @@
           <a:lstStyle/>
           <a:p>
             <a:r>
-              <a:rPr lang="en-US" dirty="0" err="1"/>
-              <a:t>COntenU</a:t>
-            </a:r>
-            <a:endParaRPr lang="en-US" dirty="0"/>
+              <a:rPr lang="en-US" dirty="0"/>
+              <a:t>Content</a:t>
+            </a:r>
           </a:p>
         </p:txBody>
       </p:sp>
@@ -11309,12 +11438,14 @@
         </p:nvSpPr>
         <p:spPr/>
         <p:txBody>
-          <a:bodyPr/>
+          <a:bodyPr>
+            <a:normAutofit/>
+          </a:bodyPr>
           <a:lstStyle/>
           <a:p>
             <a:pPr algn="r"/>
             <a:r>
-              <a:rPr lang="en-US" sz="1800" dirty="0">
+              <a:rPr lang="en-US" sz="2800" dirty="0">
                 <a:solidFill>
                   <a:schemeClr val="bg1"/>
                 </a:solidFill>
@@ -11323,50 +11454,26 @@
             </a:r>
           </a:p>
           <a:p>
+            <a:r>
+              <a:rPr lang="en-US" sz="2800" dirty="0"/>
+              <a:t>Scrum Artifacts</a:t>
+            </a:r>
+            <a:endParaRPr lang="en-US" sz="2800" dirty="0">
+              <a:solidFill>
+                <a:schemeClr val="bg1"/>
+              </a:solidFill>
+            </a:endParaRPr>
+          </a:p>
+          <a:p>
             <a:pPr algn="r"/>
             <a:r>
-              <a:rPr lang="en-US" sz="1800" dirty="0">
+              <a:rPr lang="en-US" sz="2800" dirty="0">
                 <a:solidFill>
                   <a:schemeClr val="bg1"/>
                 </a:solidFill>
               </a:rPr>
               <a:t>Demo</a:t>
             </a:r>
-          </a:p>
-          <a:p>
-            <a:pPr algn="r"/>
-            <a:r>
-              <a:rPr lang="en-US" dirty="0"/>
-              <a:t>Scrum Artefacts</a:t>
-            </a:r>
-            <a:endParaRPr lang="en-US" sz="1800" dirty="0">
-              <a:solidFill>
-                <a:schemeClr val="bg1"/>
-              </a:solidFill>
-            </a:endParaRPr>
-          </a:p>
-          <a:p>
-            <a:pPr algn="r"/>
-            <a:r>
-              <a:rPr lang="en-US" sz="1800" dirty="0">
-                <a:solidFill>
-                  <a:schemeClr val="bg1"/>
-                </a:solidFill>
-              </a:rPr>
-              <a:t>Sprint Burndown</a:t>
-            </a:r>
-          </a:p>
-          <a:p>
-            <a:pPr algn="r"/>
-            <a:r>
-              <a:rPr lang="en-US" dirty="0"/>
-              <a:t>Release Burnup</a:t>
-            </a:r>
-            <a:endParaRPr lang="en-US" sz="1800" dirty="0">
-              <a:solidFill>
-                <a:schemeClr val="bg1"/>
-              </a:solidFill>
-            </a:endParaRPr>
           </a:p>
         </p:txBody>
       </p:sp>
@@ -11513,7 +11620,7 @@
           </p:nvPr>
         </p:nvPicPr>
         <p:blipFill>
-          <a:blip r:embed="rId3"/>
+          <a:blip r:embed="rId2"/>
           <a:srcRect/>
           <a:stretch>
             <a:fillRect/>
@@ -11521,69 +11628,100 @@
         </p:blipFill>
         <p:spPr/>
       </p:pic>
-      <p:graphicFrame>
-        <p:nvGraphicFramePr>
-          <p:cNvPr id="4" name="Object 3">
-            <a:extLst>
-              <a:ext uri="{FF2B5EF4-FFF2-40B4-BE49-F238E27FC236}">
-                <a16:creationId xmlns:a16="http://schemas.microsoft.com/office/drawing/2014/main" id="{962ACAD4-61EE-4CD8-8925-60B431091267}"/>
-              </a:ext>
-            </a:extLst>
-          </p:cNvPr>
-          <p:cNvGraphicFramePr>
-            <a:graphicFrameLocks noChangeAspect="1"/>
-          </p:cNvGraphicFramePr>
-          <p:nvPr>
-            <p:extLst>
-              <p:ext uri="{D42A27DB-BD31-4B8C-83A1-F6EECF244321}">
-                <p14:modId xmlns:p14="http://schemas.microsoft.com/office/powerpoint/2010/main" val="1460332377"/>
-              </p:ext>
-            </p:extLst>
-          </p:nvPr>
-        </p:nvGraphicFramePr>
-        <p:xfrm>
-          <a:off x="2352675" y="3429000"/>
-          <a:ext cx="3055314" cy="1116013"/>
-        </p:xfrm>
-        <a:graphic>
-          <a:graphicData uri="http://schemas.openxmlformats.org/presentationml/2006/ole">
-            <mc:AlternateContent xmlns:mc="http://schemas.openxmlformats.org/markup-compatibility/2006">
-              <mc:Choice xmlns:v="urn:schemas-microsoft-com:vml" Requires="v">
-                <p:oleObj spid="_x0000_s1026" name="Packager Shell Object" showAsIcon="1" r:id="rId4" imgW="1060200" imgH="387000" progId="Package">
-                  <p:embed/>
-                </p:oleObj>
-              </mc:Choice>
-              <mc:Fallback>
-                <p:oleObj name="Packager Shell Object" showAsIcon="1" r:id="rId4" imgW="1060200" imgH="387000" progId="Package">
-                  <p:embed/>
-                  <p:pic>
-                    <p:nvPicPr>
-                      <p:cNvPr id="0" name=""/>
-                      <p:cNvPicPr/>
-                      <p:nvPr/>
-                    </p:nvPicPr>
-                    <p:blipFill>
-                      <a:blip r:embed="rId5"/>
-                      <a:stretch>
-                        <a:fillRect/>
-                      </a:stretch>
-                    </p:blipFill>
-                    <p:spPr>
-                      <a:xfrm>
-                        <a:off x="2352675" y="3429000"/>
-                        <a:ext cx="3055314" cy="1116013"/>
-                      </a:xfrm>
-                      <a:prstGeom prst="rect">
-                        <a:avLst/>
-                      </a:prstGeom>
-                    </p:spPr>
-                  </p:pic>
-                </p:oleObj>
-              </mc:Fallback>
-            </mc:AlternateContent>
-          </a:graphicData>
-        </a:graphic>
-      </p:graphicFrame>
+      <p:pic>
+        <p:nvPicPr>
+          <p:cNvPr id="1034" name="Picture 10" descr="Vue Js Development Company in India, Vue.js Development ...">
+            <a:extLst>
+              <a:ext uri="{FF2B5EF4-FFF2-40B4-BE49-F238E27FC236}">
+                <a16:creationId xmlns:a16="http://schemas.microsoft.com/office/drawing/2014/main" id="{794CAAA6-032B-414E-82DF-C6D25577C1C7}"/>
+              </a:ext>
+            </a:extLst>
+          </p:cNvPr>
+          <p:cNvPicPr>
+            <a:picLocks noChangeAspect="1" noChangeArrowheads="1"/>
+          </p:cNvPicPr>
+          <p:nvPr/>
+        </p:nvPicPr>
+        <p:blipFill>
+          <a:blip r:embed="rId3">
+            <a:extLst>
+              <a:ext uri="{28A0092B-C50C-407E-A947-70E740481C1C}">
+                <a14:useLocalDpi xmlns:a14="http://schemas.microsoft.com/office/drawing/2010/main" val="0"/>
+              </a:ext>
+            </a:extLst>
+          </a:blip>
+          <a:srcRect/>
+          <a:stretch>
+            <a:fillRect/>
+          </a:stretch>
+        </p:blipFill>
+        <p:spPr bwMode="auto">
+          <a:xfrm>
+            <a:off x="0" y="3799004"/>
+            <a:ext cx="3659777" cy="1567604"/>
+          </a:xfrm>
+          <a:prstGeom prst="rect">
+            <a:avLst/>
+          </a:prstGeom>
+          <a:noFill/>
+          <a:extLst>
+            <a:ext uri="{909E8E84-426E-40DD-AFC4-6F175D3DCCD1}">
+              <a14:hiddenFill xmlns:a14="http://schemas.microsoft.com/office/drawing/2010/main">
+                <a:solidFill>
+                  <a:srgbClr val="FFFFFF"/>
+                </a:solidFill>
+              </a14:hiddenFill>
+            </a:ext>
+          </a:extLst>
+        </p:spPr>
+      </p:pic>
+      <p:pic>
+        <p:nvPicPr>
+          <p:cNvPr id="1036" name="Picture 12" descr="Download Go Logo in SVG Vector or PNG File Format - Logo.wine">
+            <a:extLst>
+              <a:ext uri="{FF2B5EF4-FFF2-40B4-BE49-F238E27FC236}">
+                <a16:creationId xmlns:a16="http://schemas.microsoft.com/office/drawing/2014/main" id="{ACF85737-4793-4AEA-84B3-5B78BA32D9DE}"/>
+              </a:ext>
+            </a:extLst>
+          </p:cNvPr>
+          <p:cNvPicPr>
+            <a:picLocks noChangeAspect="1" noChangeArrowheads="1"/>
+          </p:cNvPicPr>
+          <p:nvPr/>
+        </p:nvPicPr>
+        <p:blipFill>
+          <a:blip r:embed="rId4">
+            <a:extLst>
+              <a:ext uri="{28A0092B-C50C-407E-A947-70E740481C1C}">
+                <a14:useLocalDpi xmlns:a14="http://schemas.microsoft.com/office/drawing/2010/main" val="0"/>
+              </a:ext>
+            </a:extLst>
+          </a:blip>
+          <a:srcRect/>
+          <a:stretch>
+            <a:fillRect/>
+          </a:stretch>
+        </p:blipFill>
+        <p:spPr bwMode="auto">
+          <a:xfrm>
+            <a:off x="2661155" y="3196667"/>
+            <a:ext cx="4499490" cy="2999660"/>
+          </a:xfrm>
+          <a:prstGeom prst="rect">
+            <a:avLst/>
+          </a:prstGeom>
+          <a:noFill/>
+          <a:extLst>
+            <a:ext uri="{909E8E84-426E-40DD-AFC4-6F175D3DCCD1}">
+              <a14:hiddenFill xmlns:a14="http://schemas.microsoft.com/office/drawing/2010/main">
+                <a:solidFill>
+                  <a:srgbClr val="FFFFFF"/>
+                </a:solidFill>
+              </a14:hiddenFill>
+            </a:ext>
+          </a:extLst>
+        </p:spPr>
+      </p:pic>
     </p:spTree>
     <p:extLst>
       <p:ext uri="{BB962C8B-B14F-4D97-AF65-F5344CB8AC3E}">
@@ -11614,12 +11752,37 @@
           <a:chExt cx="0" cy="0"/>
         </a:xfrm>
       </p:grpSpPr>
-      <p:sp>
-        <p:nvSpPr>
-          <p:cNvPr id="2" name="Title 1">
-            <a:extLst>
-              <a:ext uri="{FF2B5EF4-FFF2-40B4-BE49-F238E27FC236}">
-                <a16:creationId xmlns:a16="http://schemas.microsoft.com/office/drawing/2014/main" id="{7F95BE6F-AB0E-435C-9716-FB14BDEFB8B6}"/>
+      <p:pic>
+        <p:nvPicPr>
+          <p:cNvPr id="9" name="Picture Placeholder 8" descr="A picture containing text, watch, gauge&#10;&#10;Description automatically generated">
+            <a:extLst>
+              <a:ext uri="{FF2B5EF4-FFF2-40B4-BE49-F238E27FC236}">
+                <a16:creationId xmlns:a16="http://schemas.microsoft.com/office/drawing/2014/main" id="{2EF3EA8F-1403-468D-85B9-2ADC13D89966}"/>
+              </a:ext>
+            </a:extLst>
+          </p:cNvPr>
+          <p:cNvPicPr>
+            <a:picLocks noGrp="1" noChangeAspect="1"/>
+          </p:cNvPicPr>
+          <p:nvPr>
+            <p:ph type="pic" sz="quarter" idx="13"/>
+          </p:nvPr>
+        </p:nvPicPr>
+        <p:blipFill>
+          <a:blip r:embed="rId2"/>
+          <a:srcRect/>
+          <a:stretch>
+            <a:fillRect/>
+          </a:stretch>
+        </p:blipFill>
+        <p:spPr/>
+      </p:pic>
+      <p:sp>
+        <p:nvSpPr>
+          <p:cNvPr id="3" name="Title 2">
+            <a:extLst>
+              <a:ext uri="{FF2B5EF4-FFF2-40B4-BE49-F238E27FC236}">
+                <a16:creationId xmlns:a16="http://schemas.microsoft.com/office/drawing/2014/main" id="{4800E07B-8767-426E-A23E-BDA5F779211E}"/>
               </a:ext>
             </a:extLst>
           </p:cNvPr>
@@ -11630,20 +11793,14 @@
             <p:ph type="title"/>
           </p:nvPr>
         </p:nvSpPr>
-        <p:spPr>
-          <a:xfrm>
-            <a:off x="838200" y="2766218"/>
-            <a:ext cx="10515600" cy="1325563"/>
-          </a:xfrm>
-        </p:spPr>
+        <p:spPr/>
         <p:txBody>
           <a:bodyPr/>
           <a:lstStyle/>
           <a:p>
-            <a:pPr algn="ctr"/>
-            <a:r>
-              <a:rPr lang="en-US" sz="7200" dirty="0"/>
-              <a:t>Demonstration</a:t>
+            <a:r>
+              <a:rPr lang="en-US" dirty="0"/>
+              <a:t>Scrum Artifacts</a:t>
             </a:r>
             <a:endParaRPr lang="en-CH" dirty="0"/>
           </a:p>
@@ -11651,10 +11808,61 @@
       </p:sp>
       <p:sp>
         <p:nvSpPr>
-          <p:cNvPr id="5" name="Slide Number Placeholder 4">
-            <a:extLst>
-              <a:ext uri="{FF2B5EF4-FFF2-40B4-BE49-F238E27FC236}">
-                <a16:creationId xmlns:a16="http://schemas.microsoft.com/office/drawing/2014/main" id="{582D4E4B-68BD-4701-9E0E-265A2FAAF91B}"/>
+          <p:cNvPr id="4" name="Content Placeholder 3">
+            <a:extLst>
+              <a:ext uri="{FF2B5EF4-FFF2-40B4-BE49-F238E27FC236}">
+                <a16:creationId xmlns:a16="http://schemas.microsoft.com/office/drawing/2014/main" id="{79FA40FA-C95E-4B5F-B1E6-D9686540C3E9}"/>
+              </a:ext>
+            </a:extLst>
+          </p:cNvPr>
+          <p:cNvSpPr>
+            <a:spLocks noGrp="1"/>
+          </p:cNvSpPr>
+          <p:nvPr>
+            <p:ph idx="1"/>
+          </p:nvPr>
+        </p:nvSpPr>
+        <p:spPr/>
+        <p:txBody>
+          <a:bodyPr>
+            <a:normAutofit/>
+          </a:bodyPr>
+          <a:lstStyle/>
+          <a:p>
+            <a:r>
+              <a:rPr lang="en-US" sz="2400" dirty="0">
+                <a:hlinkClick r:id="rId3"/>
+              </a:rPr>
+              <a:t>Project Backlog</a:t>
+            </a:r>
+            <a:endParaRPr lang="en-US" sz="2400" dirty="0"/>
+          </a:p>
+          <a:p>
+            <a:r>
+              <a:rPr lang="en-US" sz="2400" dirty="0"/>
+              <a:t>User Stories (with refinement)</a:t>
+            </a:r>
+          </a:p>
+          <a:p>
+            <a:r>
+              <a:rPr lang="en-US" sz="2400" dirty="0"/>
+              <a:t>Component Diagram</a:t>
+            </a:r>
+          </a:p>
+          <a:p>
+            <a:r>
+              <a:rPr lang="en-US" sz="2400" dirty="0"/>
+              <a:t>Product Goal + DoD</a:t>
+            </a:r>
+          </a:p>
+        </p:txBody>
+      </p:sp>
+      <p:sp>
+        <p:nvSpPr>
+          <p:cNvPr id="7" name="Slide Number Placeholder 6">
+            <a:extLst>
+              <a:ext uri="{FF2B5EF4-FFF2-40B4-BE49-F238E27FC236}">
+                <a16:creationId xmlns:a16="http://schemas.microsoft.com/office/drawing/2014/main" id="{3C7E879F-FEFE-4F80-9A1B-82F780CD1F5F}"/>
               </a:ext>
             </a:extLst>
           </p:cNvPr>
@@ -11672,6 +11880,7 @@
           <a:p>
             <a:fld id="{D8DA9DAA-006C-4F4B-980E-E3DF019B24E2}" type="slidenum">
               <a:rPr lang="en-US" smtClean="0"/>
+              <a:pPr/>
               <a:t>4</a:t>
             </a:fld>
             <a:endParaRPr lang="en-US" dirty="0"/>
@@ -11681,7 +11890,7 @@
     </p:spTree>
     <p:extLst>
       <p:ext uri="{BB962C8B-B14F-4D97-AF65-F5344CB8AC3E}">
-        <p14:creationId xmlns:p14="http://schemas.microsoft.com/office/powerpoint/2010/main" val="799097641"/>
+        <p14:creationId xmlns:p14="http://schemas.microsoft.com/office/powerpoint/2010/main" val="986977004"/>
       </p:ext>
     </p:extLst>
   </p:cSld>
@@ -11708,37 +11917,12 @@
           <a:chExt cx="0" cy="0"/>
         </a:xfrm>
       </p:grpSpPr>
-      <p:pic>
-        <p:nvPicPr>
-          <p:cNvPr id="9" name="Picture Placeholder 8" descr="A picture containing text, watch, gauge&#10;&#10;Description automatically generated">
-            <a:extLst>
-              <a:ext uri="{FF2B5EF4-FFF2-40B4-BE49-F238E27FC236}">
-                <a16:creationId xmlns:a16="http://schemas.microsoft.com/office/drawing/2014/main" id="{2EF3EA8F-1403-468D-85B9-2ADC13D89966}"/>
-              </a:ext>
-            </a:extLst>
-          </p:cNvPr>
-          <p:cNvPicPr>
-            <a:picLocks noGrp="1" noChangeAspect="1"/>
-          </p:cNvPicPr>
-          <p:nvPr>
-            <p:ph type="pic" sz="quarter" idx="13"/>
-          </p:nvPr>
-        </p:nvPicPr>
-        <p:blipFill>
-          <a:blip r:embed="rId3"/>
-          <a:srcRect/>
-          <a:stretch>
-            <a:fillRect/>
-          </a:stretch>
-        </p:blipFill>
-        <p:spPr/>
-      </p:pic>
-      <p:sp>
-        <p:nvSpPr>
-          <p:cNvPr id="3" name="Title 2">
-            <a:extLst>
-              <a:ext uri="{FF2B5EF4-FFF2-40B4-BE49-F238E27FC236}">
-                <a16:creationId xmlns:a16="http://schemas.microsoft.com/office/drawing/2014/main" id="{4800E07B-8767-426E-A23E-BDA5F779211E}"/>
+      <p:sp>
+        <p:nvSpPr>
+          <p:cNvPr id="2" name="Title 1">
+            <a:extLst>
+              <a:ext uri="{FF2B5EF4-FFF2-40B4-BE49-F238E27FC236}">
+                <a16:creationId xmlns:a16="http://schemas.microsoft.com/office/drawing/2014/main" id="{7F95BE6F-AB0E-435C-9716-FB14BDEFB8B6}"/>
               </a:ext>
             </a:extLst>
           </p:cNvPr>
@@ -11749,14 +11933,20 @@
             <p:ph type="title"/>
           </p:nvPr>
         </p:nvSpPr>
-        <p:spPr/>
+        <p:spPr>
+          <a:xfrm>
+            <a:off x="838200" y="2766218"/>
+            <a:ext cx="10515600" cy="1325563"/>
+          </a:xfrm>
+        </p:spPr>
         <p:txBody>
           <a:bodyPr/>
           <a:lstStyle/>
           <a:p>
-            <a:r>
-              <a:rPr lang="en-US" dirty="0"/>
-              <a:t>Scrum Artefacts</a:t>
+            <a:pPr algn="ctr"/>
+            <a:r>
+              <a:rPr lang="en-US" sz="7200" dirty="0"/>
+              <a:t>Demonstration</a:t>
             </a:r>
             <a:endParaRPr lang="en-CH" dirty="0"/>
           </a:p>
@@ -11764,59 +11954,10 @@
       </p:sp>
       <p:sp>
         <p:nvSpPr>
-          <p:cNvPr id="4" name="Content Placeholder 3">
-            <a:extLst>
-              <a:ext uri="{FF2B5EF4-FFF2-40B4-BE49-F238E27FC236}">
-                <a16:creationId xmlns:a16="http://schemas.microsoft.com/office/drawing/2014/main" id="{79FA40FA-C95E-4B5F-B1E6-D9686540C3E9}"/>
-              </a:ext>
-            </a:extLst>
-          </p:cNvPr>
-          <p:cNvSpPr>
-            <a:spLocks noGrp="1"/>
-          </p:cNvSpPr>
-          <p:nvPr>
-            <p:ph idx="1"/>
-          </p:nvPr>
-        </p:nvSpPr>
-        <p:spPr/>
-        <p:txBody>
-          <a:bodyPr/>
-          <a:lstStyle/>
-          <a:p>
-            <a:r>
-              <a:rPr lang="en-US" dirty="0">
-                <a:hlinkClick r:id="rId4"/>
-              </a:rPr>
-              <a:t>Project Backlog</a:t>
-            </a:r>
-            <a:endParaRPr lang="en-US" dirty="0"/>
-          </a:p>
-          <a:p>
-            <a:r>
-              <a:rPr lang="en-US" dirty="0"/>
-              <a:t>User Stories (with refinement)</a:t>
-            </a:r>
-          </a:p>
-          <a:p>
-            <a:r>
-              <a:rPr lang="en-US" dirty="0"/>
-              <a:t>Component Diagram</a:t>
-            </a:r>
-          </a:p>
-          <a:p>
-            <a:r>
-              <a:rPr lang="en-US" dirty="0"/>
-              <a:t>Product Goal + DoD</a:t>
-            </a:r>
-          </a:p>
-        </p:txBody>
-      </p:sp>
-      <p:sp>
-        <p:nvSpPr>
-          <p:cNvPr id="7" name="Slide Number Placeholder 6">
-            <a:extLst>
-              <a:ext uri="{FF2B5EF4-FFF2-40B4-BE49-F238E27FC236}">
-                <a16:creationId xmlns:a16="http://schemas.microsoft.com/office/drawing/2014/main" id="{3C7E879F-FEFE-4F80-9A1B-82F780CD1F5F}"/>
+          <p:cNvPr id="5" name="Slide Number Placeholder 4">
+            <a:extLst>
+              <a:ext uri="{FF2B5EF4-FFF2-40B4-BE49-F238E27FC236}">
+                <a16:creationId xmlns:a16="http://schemas.microsoft.com/office/drawing/2014/main" id="{582D4E4B-68BD-4701-9E0E-265A2FAAF91B}"/>
               </a:ext>
             </a:extLst>
           </p:cNvPr>
@@ -11834,212 +11975,16 @@
           <a:p>
             <a:fld id="{D8DA9DAA-006C-4F4B-980E-E3DF019B24E2}" type="slidenum">
               <a:rPr lang="en-US" smtClean="0"/>
-              <a:pPr/>
               <a:t>5</a:t>
             </a:fld>
             <a:endParaRPr lang="en-US" dirty="0"/>
           </a:p>
         </p:txBody>
       </p:sp>
-      <p:graphicFrame>
-        <p:nvGraphicFramePr>
-          <p:cNvPr id="2" name="Object 1">
-            <a:extLst>
-              <a:ext uri="{FF2B5EF4-FFF2-40B4-BE49-F238E27FC236}">
-                <a16:creationId xmlns:a16="http://schemas.microsoft.com/office/drawing/2014/main" id="{828C82EF-0A93-4E36-85E5-422421EA771C}"/>
-              </a:ext>
-            </a:extLst>
-          </p:cNvPr>
-          <p:cNvGraphicFramePr>
-            <a:graphicFrameLocks noChangeAspect="1"/>
-          </p:cNvGraphicFramePr>
-          <p:nvPr>
-            <p:extLst>
-              <p:ext uri="{D42A27DB-BD31-4B8C-83A1-F6EECF244321}">
-                <p14:modId xmlns:p14="http://schemas.microsoft.com/office/powerpoint/2010/main" val="3445041622"/>
-              </p:ext>
-            </p:extLst>
-          </p:nvPr>
-        </p:nvGraphicFramePr>
-        <p:xfrm>
-          <a:off x="4881592" y="3312923"/>
-          <a:ext cx="809625" cy="387350"/>
-        </p:xfrm>
-        <a:graphic>
-          <a:graphicData uri="http://schemas.openxmlformats.org/presentationml/2006/ole">
-            <mc:AlternateContent xmlns:mc="http://schemas.openxmlformats.org/markup-compatibility/2006">
-              <mc:Choice xmlns:v="urn:schemas-microsoft-com:vml" Requires="v">
-                <p:oleObj spid="_x0000_s2050" name="Packager Shell Object" showAsIcon="1" r:id="rId5" imgW="809280" imgH="387000" progId="Package">
-                  <p:embed/>
-                </p:oleObj>
-              </mc:Choice>
-              <mc:Fallback>
-                <p:oleObj name="Packager Shell Object" showAsIcon="1" r:id="rId5" imgW="809280" imgH="387000" progId="Package">
-                  <p:embed/>
-                  <p:pic>
-                    <p:nvPicPr>
-                      <p:cNvPr id="0" name=""/>
-                      <p:cNvPicPr/>
-                      <p:nvPr/>
-                    </p:nvPicPr>
-                    <p:blipFill>
-                      <a:blip r:embed="rId6"/>
-                      <a:stretch>
-                        <a:fillRect/>
-                      </a:stretch>
-                    </p:blipFill>
-                    <p:spPr>
-                      <a:xfrm>
-                        <a:off x="4881592" y="3312923"/>
-                        <a:ext cx="809625" cy="387350"/>
-                      </a:xfrm>
-                      <a:prstGeom prst="rect">
-                        <a:avLst/>
-                      </a:prstGeom>
-                    </p:spPr>
-                  </p:pic>
-                </p:oleObj>
-              </mc:Fallback>
-            </mc:AlternateContent>
-          </a:graphicData>
-        </a:graphic>
-      </p:graphicFrame>
-      <p:graphicFrame>
-        <p:nvGraphicFramePr>
-          <p:cNvPr id="5" name="Object 4">
-            <a:extLst>
-              <a:ext uri="{FF2B5EF4-FFF2-40B4-BE49-F238E27FC236}">
-                <a16:creationId xmlns:a16="http://schemas.microsoft.com/office/drawing/2014/main" id="{4C135D3E-863A-4A4F-B9D3-D070616EC59F}"/>
-              </a:ext>
-            </a:extLst>
-          </p:cNvPr>
-          <p:cNvGraphicFramePr>
-            <a:graphicFrameLocks noChangeAspect="1"/>
-          </p:cNvGraphicFramePr>
-          <p:nvPr>
-            <p:extLst>
-              <p:ext uri="{D42A27DB-BD31-4B8C-83A1-F6EECF244321}">
-                <p14:modId xmlns:p14="http://schemas.microsoft.com/office/powerpoint/2010/main" val="3459955266"/>
-              </p:ext>
-            </p:extLst>
-          </p:nvPr>
-        </p:nvGraphicFramePr>
-        <p:xfrm>
-          <a:off x="4068763" y="3909619"/>
-          <a:ext cx="1331912" cy="387350"/>
-        </p:xfrm>
-        <a:graphic>
-          <a:graphicData uri="http://schemas.openxmlformats.org/presentationml/2006/ole">
-            <mc:AlternateContent xmlns:mc="http://schemas.openxmlformats.org/markup-compatibility/2006">
-              <mc:Choice xmlns:v="urn:schemas-microsoft-com:vml" Requires="v">
-                <p:oleObj spid="_x0000_s2051" name="Packager Shell Object" showAsIcon="1" r:id="rId7" imgW="1332360" imgH="387000" progId="Package">
-                  <p:embed/>
-                </p:oleObj>
-              </mc:Choice>
-              <mc:Fallback>
-                <p:oleObj name="Packager Shell Object" showAsIcon="1" r:id="rId7" imgW="1332360" imgH="387000" progId="Package">
-                  <p:embed/>
-                  <p:pic>
-                    <p:nvPicPr>
-                      <p:cNvPr id="0" name=""/>
-                      <p:cNvPicPr/>
-                      <p:nvPr/>
-                    </p:nvPicPr>
-                    <p:blipFill>
-                      <a:blip r:embed="rId8"/>
-                      <a:stretch>
-                        <a:fillRect/>
-                      </a:stretch>
-                    </p:blipFill>
-                    <p:spPr>
-                      <a:xfrm>
-                        <a:off x="4068763" y="3909619"/>
-                        <a:ext cx="1331912" cy="387350"/>
-                      </a:xfrm>
-                      <a:prstGeom prst="rect">
-                        <a:avLst/>
-                      </a:prstGeom>
-                    </p:spPr>
-                  </p:pic>
-                </p:oleObj>
-              </mc:Fallback>
-            </mc:AlternateContent>
-          </a:graphicData>
-        </a:graphic>
-      </p:graphicFrame>
-      <p:graphicFrame>
-        <p:nvGraphicFramePr>
-          <p:cNvPr id="8" name="Object 7">
-            <a:extLst>
-              <a:ext uri="{FF2B5EF4-FFF2-40B4-BE49-F238E27FC236}">
-                <a16:creationId xmlns:a16="http://schemas.microsoft.com/office/drawing/2014/main" id="{6543B987-D389-46D7-B5FA-DD01C2B7CD00}"/>
-              </a:ext>
-            </a:extLst>
-          </p:cNvPr>
-          <p:cNvGraphicFramePr>
-            <a:graphicFrameLocks noChangeAspect="1"/>
-          </p:cNvGraphicFramePr>
-          <p:nvPr>
-            <p:extLst>
-              <p:ext uri="{D42A27DB-BD31-4B8C-83A1-F6EECF244321}">
-                <p14:modId xmlns:p14="http://schemas.microsoft.com/office/powerpoint/2010/main" val="1717382260"/>
-              </p:ext>
-            </p:extLst>
-          </p:nvPr>
-        </p:nvGraphicFramePr>
-        <p:xfrm>
-          <a:off x="3928057" y="4299810"/>
-          <a:ext cx="1427611" cy="424284"/>
-        </p:xfrm>
-        <a:graphic>
-          <a:graphicData uri="http://schemas.openxmlformats.org/presentationml/2006/ole">
-            <mc:AlternateContent xmlns:mc="http://schemas.openxmlformats.org/markup-compatibility/2006">
-              <mc:Choice xmlns:v="urn:schemas-microsoft-com:vml" Requires="v">
-                <p:oleObj spid="_x0000_s2052" name="Packager Shell Object" showAsIcon="1" r:id="rId9" imgW="1303560" imgH="387000" progId="Package">
-                  <p:embed/>
-                </p:oleObj>
-              </mc:Choice>
-              <mc:Fallback>
-                <p:oleObj name="Packager Shell Object" showAsIcon="1" r:id="rId9" imgW="1303560" imgH="387000" progId="Package">
-                  <p:embed/>
-                  <p:pic>
-                    <p:nvPicPr>
-                      <p:cNvPr id="2" name="Object 1">
-                        <a:extLst>
-                          <a:ext uri="{FF2B5EF4-FFF2-40B4-BE49-F238E27FC236}">
-                            <a16:creationId xmlns:a16="http://schemas.microsoft.com/office/drawing/2014/main" id="{A134250F-44B7-4071-8560-09F361543064}"/>
-                          </a:ext>
-                        </a:extLst>
-                      </p:cNvPr>
-                      <p:cNvPicPr/>
-                      <p:nvPr/>
-                    </p:nvPicPr>
-                    <p:blipFill>
-                      <a:blip r:embed="rId10"/>
-                      <a:stretch>
-                        <a:fillRect/>
-                      </a:stretch>
-                    </p:blipFill>
-                    <p:spPr>
-                      <a:xfrm>
-                        <a:off x="3928057" y="4299810"/>
-                        <a:ext cx="1427611" cy="424284"/>
-                      </a:xfrm>
-                      <a:prstGeom prst="rect">
-                        <a:avLst/>
-                      </a:prstGeom>
-                    </p:spPr>
-                  </p:pic>
-                </p:oleObj>
-              </mc:Fallback>
-            </mc:AlternateContent>
-          </a:graphicData>
-        </a:graphic>
-      </p:graphicFrame>
     </p:spTree>
     <p:extLst>
       <p:ext uri="{BB962C8B-B14F-4D97-AF65-F5344CB8AC3E}">
-        <p14:creationId xmlns:p14="http://schemas.microsoft.com/office/powerpoint/2010/main" val="986977004"/>
+        <p14:creationId xmlns:p14="http://schemas.microsoft.com/office/powerpoint/2010/main" val="799097641"/>
       </p:ext>
     </p:extLst>
   </p:cSld>
@@ -12555,6 +12500,15 @@
 </file>
 
 <file path=customXml/item2.xml><?xml version="1.0" encoding="utf-8"?>
+<p:properties xmlns:p="http://schemas.microsoft.com/office/2006/metadata/properties" xmlns:xsi="http://www.w3.org/2001/XMLSchema-instance" xmlns:pc="http://schemas.microsoft.com/office/infopath/2007/PartnerControls">
+  <documentManagement>
+    <Status xmlns="71af3243-3dd4-4a8d-8c0d-dd76da1f02a5">Not started</Status>
+    <MediaServiceKeyPoints xmlns="71af3243-3dd4-4a8d-8c0d-dd76da1f02a5" xsi:nil="true"/>
+  </documentManagement>
+</p:properties>
+</file>
+
+<file path=customXml/item3.xml><?xml version="1.0" encoding="utf-8"?>
 <ct:contentTypeSchema xmlns:ct="http://schemas.microsoft.com/office/2006/metadata/contentType" xmlns:ma="http://schemas.microsoft.com/office/2006/metadata/properties/metaAttributes" ct:_="" ma:_="" ma:contentTypeName="Document" ma:contentTypeID="0x01010079F111ED35F8CC479449609E8A0923A6" ma:contentTypeVersion="12" ma:contentTypeDescription="Create a new document." ma:contentTypeScope="" ma:versionID="426e97fa315356fffbdcd9876fe988c2">
   <xsd:schema xmlns:xsd="http://www.w3.org/2001/XMLSchema" xmlns:xs="http://www.w3.org/2001/XMLSchema" xmlns:p="http://schemas.microsoft.com/office/2006/metadata/properties" xmlns:ns2="71af3243-3dd4-4a8d-8c0d-dd76da1f02a5" xmlns:ns3="16c05727-aa75-4e4a-9b5f-8a80a1165891" targetNamespace="http://schemas.microsoft.com/office/2006/metadata/properties" ma:root="true" ma:fieldsID="14b8f0def80e6d70ce3def20c90759ae" ns2:_="" ns3:_="">
     <xsd:import namespace="71af3243-3dd4-4a8d-8c0d-dd76da1f02a5"/>
@@ -12775,15 +12729,6 @@
 </ct:contentTypeSchema>
 </file>
 
-<file path=customXml/item3.xml><?xml version="1.0" encoding="utf-8"?>
-<p:properties xmlns:p="http://schemas.microsoft.com/office/2006/metadata/properties" xmlns:xsi="http://www.w3.org/2001/XMLSchema-instance" xmlns:pc="http://schemas.microsoft.com/office/infopath/2007/PartnerControls">
-  <documentManagement>
-    <Status xmlns="71af3243-3dd4-4a8d-8c0d-dd76da1f02a5">Not started</Status>
-    <MediaServiceKeyPoints xmlns="71af3243-3dd4-4a8d-8c0d-dd76da1f02a5" xsi:nil="true"/>
-  </documentManagement>
-</p:properties>
-</file>
-
 <file path=customXml/itemProps1.xml><?xml version="1.0" encoding="utf-8"?>
 <ds:datastoreItem xmlns:ds="http://schemas.openxmlformats.org/officeDocument/2006/customXml" ds:itemID="{3C8E00D1-8EA3-4E42-801D-0253E1EAFC21}">
   <ds:schemaRefs>
@@ -12793,6 +12738,16 @@
 </file>
 
 <file path=customXml/itemProps2.xml><?xml version="1.0" encoding="utf-8"?>
+<ds:datastoreItem xmlns:ds="http://schemas.openxmlformats.org/officeDocument/2006/customXml" ds:itemID="{99919F73-B6C2-4A43-95E2-833EC48925FE}">
+  <ds:schemaRefs>
+    <ds:schemaRef ds:uri="http://schemas.microsoft.com/office/2006/metadata/properties"/>
+    <ds:schemaRef ds:uri="http://schemas.microsoft.com/office/infopath/2007/PartnerControls"/>
+    <ds:schemaRef ds:uri="71af3243-3dd4-4a8d-8c0d-dd76da1f02a5"/>
+  </ds:schemaRefs>
+</ds:datastoreItem>
+</file>
+
+<file path=customXml/itemProps3.xml><?xml version="1.0" encoding="utf-8"?>
 <ds:datastoreItem xmlns:ds="http://schemas.openxmlformats.org/officeDocument/2006/customXml" ds:itemID="{ABC329F5-30EE-4BF7-AA2A-B837B51416B4}">
   <ds:schemaRefs>
     <ds:schemaRef ds:uri="http://schemas.microsoft.com/office/2006/metadata/contentType"/>
@@ -12809,14 +12764,4 @@
     <ds:schemaRef ds:uri="http://schemas.microsoft.com/internal/obd"/>
   </ds:schemaRefs>
 </ds:datastoreItem>
-</file>
-
-<file path=customXml/itemProps3.xml><?xml version="1.0" encoding="utf-8"?>
-<ds:datastoreItem xmlns:ds="http://schemas.openxmlformats.org/officeDocument/2006/customXml" ds:itemID="{99919F73-B6C2-4A43-95E2-833EC48925FE}">
-  <ds:schemaRefs>
-    <ds:schemaRef ds:uri="http://schemas.microsoft.com/office/2006/metadata/properties"/>
-    <ds:schemaRef ds:uri="http://schemas.microsoft.com/office/infopath/2007/PartnerControls"/>
-    <ds:schemaRef ds:uri="71af3243-3dd4-4a8d-8c0d-dd76da1f02a5"/>
-  </ds:schemaRefs>
-</ds:datastoreItem>
 </file>